--- a/netpro説明資料.pptx
+++ b/netpro説明資料.pptx
@@ -111,7 +111,16 @@
       </a:defRPr>
     </a:lvl9pPr>
   </p:defaultTextStyle>
+  <p:extLst>
+    <p:ext uri="{EFAFB233-063F-42B5-8137-9DF3F51BA10A}">
+      <p15:sldGuideLst xmlns:p15="http://schemas.microsoft.com/office/powerpoint/2012/main"/>
+    </p:ext>
+  </p:extLst>
 </p:presentation>
+</file>
+
+<file path=ppt/revisionInfo.xml><?xml version="1.0" encoding="utf-8"?>
+<p1510:revInfo xmlns:a="http://schemas.openxmlformats.org/drawingml/2006/main" xmlns:r="http://schemas.openxmlformats.org/officeDocument/2006/relationships" xmlns:p1510="http://schemas.microsoft.com/office/powerpoint/2015/10/main"/>
 </file>
 
 <file path=ppt/notesMasters/notesMaster1.xml><?xml version="1.0" encoding="utf-8"?>
@@ -196,7 +205,7 @@
           <a:p>
             <a:fld id="{3117A693-390D-4141-BFDE-A879BBA9850D}" type="datetimeFigureOut">
               <a:rPr kumimoji="1" lang="ja-JP" altLang="en-US" smtClean="0"/>
-              <a:t>2018/1/11</a:t>
+              <a:t>2018/1/12</a:t>
             </a:fld>
             <a:endParaRPr kumimoji="1" lang="ja-JP" altLang="en-US"/>
           </a:p>
@@ -826,7 +835,7 @@
           <a:p>
             <a:fld id="{54736A33-2E10-45F6-AE88-29D7F4DBB948}" type="datetime1">
               <a:rPr lang="en-US" altLang="ja-JP" smtClean="0"/>
-              <a:t>1/11/2018</a:t>
+              <a:t>1/12/2018</a:t>
             </a:fld>
             <a:endParaRPr lang="en-US" dirty="0"/>
           </a:p>
@@ -876,11 +885,6 @@
           <a:bodyPr/>
           <a:lstStyle/>
           <a:p>
-            <a:fld id="{D57F1E4F-1CFF-5643-939E-217C01CDF565}" type="slidenum">
-              <a:rPr lang="en-US" dirty="0"/>
-              <a:pPr/>
-              <a:t>‹#›</a:t>
-            </a:fld>
             <a:endParaRPr lang="en-US" dirty="0"/>
           </a:p>
         </p:txBody>
@@ -1146,7 +1150,7 @@
           <a:p>
             <a:fld id="{445B4282-BE8E-4761-A617-FEA0C25D297B}" type="datetime1">
               <a:rPr lang="en-US" altLang="ja-JP" smtClean="0"/>
-              <a:t>1/11/2018</a:t>
+              <a:t>1/12/2018</a:t>
             </a:fld>
             <a:endParaRPr lang="en-US" dirty="0"/>
           </a:p>
@@ -1390,7 +1394,7 @@
           <a:p>
             <a:fld id="{E3CA667B-A334-4572-B19A-989B50A376F2}" type="datetime1">
               <a:rPr lang="en-US" altLang="ja-JP" smtClean="0"/>
-              <a:t>1/11/2018</a:t>
+              <a:t>1/12/2018</a:t>
             </a:fld>
             <a:endParaRPr lang="en-US" dirty="0"/>
           </a:p>
@@ -1725,7 +1729,7 @@
           <a:p>
             <a:fld id="{8200AE3E-AC6D-45DB-8D41-73EE1A50FC48}" type="datetime1">
               <a:rPr lang="en-US" altLang="ja-JP" smtClean="0"/>
-              <a:t>1/11/2018</a:t>
+              <a:t>1/12/2018</a:t>
             </a:fld>
             <a:endParaRPr lang="en-US" dirty="0"/>
           </a:p>
@@ -2068,7 +2072,7 @@
           <a:p>
             <a:fld id="{50F41E09-D0B1-4B67-941C-F18E44137098}" type="datetime1">
               <a:rPr lang="en-US" altLang="ja-JP" smtClean="0"/>
-              <a:t>1/11/2018</a:t>
+              <a:t>1/12/2018</a:t>
             </a:fld>
             <a:endParaRPr lang="en-US" dirty="0"/>
           </a:p>
@@ -2438,7 +2442,7 @@
           <a:p>
             <a:fld id="{F0CF373C-EBFF-4E6D-AEC1-F16FDEE4BAF8}" type="datetime1">
               <a:rPr lang="en-US" altLang="ja-JP" smtClean="0"/>
-              <a:t>1/11/2018</a:t>
+              <a:t>1/12/2018</a:t>
             </a:fld>
             <a:endParaRPr lang="en-US" dirty="0"/>
           </a:p>
@@ -2904,7 +2908,7 @@
           <a:p>
             <a:fld id="{2F0D9457-BB9A-4872-BD60-5006CF28475E}" type="datetime1">
               <a:rPr lang="en-US" altLang="ja-JP" smtClean="0"/>
-              <a:t>1/11/2018</a:t>
+              <a:t>1/12/2018</a:t>
             </a:fld>
             <a:endParaRPr lang="en-US" dirty="0"/>
           </a:p>
@@ -3137,7 +3141,7 @@
           <a:p>
             <a:fld id="{F441D35B-08EB-41E9-ACE0-89072530B2B9}" type="datetime1">
               <a:rPr lang="en-US" altLang="ja-JP" smtClean="0"/>
-              <a:t>1/11/2018</a:t>
+              <a:t>1/12/2018</a:t>
             </a:fld>
             <a:endParaRPr lang="en-US" dirty="0"/>
           </a:p>
@@ -3376,7 +3380,7 @@
           <a:p>
             <a:fld id="{335CEC27-1AF8-4DEC-AD04-210A39260766}" type="datetime1">
               <a:rPr lang="en-US" altLang="ja-JP" smtClean="0"/>
-              <a:t>1/11/2018</a:t>
+              <a:t>1/12/2018</a:t>
             </a:fld>
             <a:endParaRPr lang="en-US" dirty="0"/>
           </a:p>
@@ -3636,7 +3640,7 @@
           <a:p>
             <a:fld id="{A5B13DE8-87B2-43BF-B6AA-89F8E1671FD9}" type="datetime1">
               <a:rPr lang="en-US" altLang="ja-JP" smtClean="0"/>
-              <a:t>1/11/2018</a:t>
+              <a:t>1/12/2018</a:t>
             </a:fld>
             <a:endParaRPr lang="en-US" dirty="0"/>
           </a:p>
@@ -3674,10 +3678,15 @@
         <p:spPr/>
         <p:txBody>
           <a:bodyPr/>
-          <a:lstStyle/>
+          <a:lstStyle>
+            <a:lvl1pPr>
+              <a:defRPr sz="2400"/>
+            </a:lvl1pPr>
+          </a:lstStyle>
           <a:p>
             <a:fld id="{E97799C9-84D9-46D2-A11E-BCF8A720529D}" type="slidenum">
-              <a:rPr lang="en-US" dirty="0"/>
+              <a:rPr lang="en-US" smtClean="0"/>
+              <a:pPr/>
               <a:t>‹#›</a:t>
             </a:fld>
             <a:endParaRPr lang="en-US" dirty="0"/>
@@ -3879,7 +3888,7 @@
           <a:p>
             <a:fld id="{BFA081B0-87C3-496A-B8DD-667A19607705}" type="datetime1">
               <a:rPr lang="en-US" altLang="ja-JP" smtClean="0"/>
-              <a:t>1/11/2018</a:t>
+              <a:t>1/12/2018</a:t>
             </a:fld>
             <a:endParaRPr lang="en-US" dirty="0"/>
           </a:p>
@@ -4237,7 +4246,7 @@
           <a:p>
             <a:fld id="{D7B4BF97-F394-465F-AF3D-E2172454D878}" type="datetime1">
               <a:rPr lang="en-US" altLang="ja-JP" smtClean="0"/>
-              <a:t>1/11/2018</a:t>
+              <a:t>1/12/2018</a:t>
             </a:fld>
             <a:endParaRPr lang="en-US" dirty="0"/>
           </a:p>
@@ -4690,7 +4699,7 @@
           <a:p>
             <a:fld id="{6A4AD25C-B4F5-480A-B254-622634915126}" type="datetime1">
               <a:rPr lang="en-US" altLang="ja-JP" smtClean="0"/>
-              <a:t>1/11/2018</a:t>
+              <a:t>1/12/2018</a:t>
             </a:fld>
             <a:endParaRPr lang="en-US" dirty="0"/>
           </a:p>
@@ -4835,7 +4844,7 @@
           <a:p>
             <a:fld id="{82249626-8BF2-4E92-B2E4-11566C16793C}" type="datetime1">
               <a:rPr lang="en-US" altLang="ja-JP" smtClean="0"/>
-              <a:t>1/11/2018</a:t>
+              <a:t>1/12/2018</a:t>
             </a:fld>
             <a:endParaRPr lang="en-US" dirty="0"/>
           </a:p>
@@ -4957,7 +4966,7 @@
           <a:p>
             <a:fld id="{0361E320-E138-4C26-8F26-53C06485CEE7}" type="datetime1">
               <a:rPr lang="en-US" altLang="ja-JP" smtClean="0"/>
-              <a:t>1/11/2018</a:t>
+              <a:t>1/12/2018</a:t>
             </a:fld>
             <a:endParaRPr lang="en-US" dirty="0"/>
           </a:p>
@@ -5240,7 +5249,7 @@
           <a:p>
             <a:fld id="{0AB1746A-CEF9-4118-8DF2-9C42DDEB9D09}" type="datetime1">
               <a:rPr lang="en-US" altLang="ja-JP" smtClean="0"/>
-              <a:t>1/11/2018</a:t>
+              <a:t>1/12/2018</a:t>
             </a:fld>
             <a:endParaRPr lang="en-US" dirty="0"/>
           </a:p>
@@ -5551,7 +5560,7 @@
           <a:p>
             <a:fld id="{C86E02C9-057B-4CEB-8DAD-24F8EAD55524}" type="datetime1">
               <a:rPr lang="en-US" altLang="ja-JP" smtClean="0"/>
-              <a:t>1/11/2018</a:t>
+              <a:t>1/12/2018</a:t>
             </a:fld>
             <a:endParaRPr lang="en-US" dirty="0"/>
           </a:p>
@@ -5930,7 +5939,7 @@
           <a:p>
             <a:fld id="{27358E70-C3A2-4916-BF75-7AB7E8F95699}" type="datetime1">
               <a:rPr lang="en-US" altLang="ja-JP" smtClean="0"/>
-              <a:t>1/11/2018</a:t>
+              <a:t>1/12/2018</a:t>
             </a:fld>
             <a:endParaRPr lang="en-US" dirty="0"/>
           </a:p>
@@ -6650,57 +6659,59 @@
         </p:nvSpPr>
         <p:spPr/>
         <p:txBody>
-          <a:bodyPr/>
-          <a:lstStyle/>
-          <a:p>
-            <a:r>
-              <a:rPr kumimoji="1" lang="ja-JP" altLang="en-US" dirty="0"/>
+          <a:bodyPr>
+            <a:normAutofit/>
+          </a:bodyPr>
+          <a:lstStyle/>
+          <a:p>
+            <a:r>
+              <a:rPr kumimoji="1" lang="ja-JP" altLang="en-US" sz="2800" dirty="0"/>
               <a:t>サーバー及び、しりとりの動作処理</a:t>
             </a:r>
-            <a:endParaRPr lang="en-US" altLang="ja-JP" dirty="0"/>
+            <a:endParaRPr lang="en-US" altLang="ja-JP" sz="2800" dirty="0"/>
           </a:p>
           <a:p>
             <a:pPr marL="0" indent="0">
               <a:buNone/>
             </a:pPr>
             <a:r>
-              <a:rPr kumimoji="1" lang="en-US" altLang="ja-JP" dirty="0"/>
+              <a:rPr kumimoji="1" lang="en-US" altLang="ja-JP" sz="2800" dirty="0"/>
               <a:t>	</a:t>
             </a:r>
             <a:r>
-              <a:rPr kumimoji="1" lang="ja-JP" altLang="en-US" dirty="0"/>
+              <a:rPr kumimoji="1" lang="ja-JP" altLang="en-US" sz="2800" dirty="0"/>
               <a:t>→　尾崎</a:t>
             </a:r>
-            <a:endParaRPr kumimoji="1" lang="en-US" altLang="ja-JP" dirty="0"/>
-          </a:p>
-          <a:p>
-            <a:r>
-              <a:rPr kumimoji="1" lang="ja-JP" altLang="en-US" dirty="0"/>
+            <a:endParaRPr kumimoji="1" lang="en-US" altLang="ja-JP" sz="2800" dirty="0"/>
+          </a:p>
+          <a:p>
+            <a:r>
+              <a:rPr kumimoji="1" lang="ja-JP" altLang="en-US" sz="2800" dirty="0"/>
               <a:t>クライアント</a:t>
             </a:r>
             <a:r>
-              <a:rPr kumimoji="1" lang="en-US" altLang="ja-JP" dirty="0"/>
+              <a:rPr kumimoji="1" lang="en-US" altLang="ja-JP" sz="2800" dirty="0"/>
               <a:t>(GUI)</a:t>
             </a:r>
             <a:r>
-              <a:rPr kumimoji="1" lang="ja-JP" altLang="en-US" dirty="0"/>
+              <a:rPr kumimoji="1" lang="ja-JP" altLang="en-US" sz="2800" dirty="0"/>
               <a:t>及び、言葉の処理</a:t>
             </a:r>
-            <a:endParaRPr kumimoji="1" lang="en-US" altLang="ja-JP" dirty="0"/>
+            <a:endParaRPr kumimoji="1" lang="en-US" altLang="ja-JP" sz="2800" dirty="0"/>
           </a:p>
           <a:p>
             <a:pPr marL="0" indent="0">
               <a:buNone/>
             </a:pPr>
             <a:r>
-              <a:rPr lang="en-US" altLang="ja-JP" dirty="0"/>
+              <a:rPr lang="en-US" altLang="ja-JP" sz="2800" dirty="0"/>
               <a:t>	</a:t>
             </a:r>
             <a:r>
-              <a:rPr lang="ja-JP" altLang="en-US" dirty="0"/>
+              <a:rPr lang="ja-JP" altLang="en-US" sz="2800" dirty="0"/>
               <a:t>→　江森</a:t>
             </a:r>
-            <a:endParaRPr kumimoji="1" lang="ja-JP" altLang="en-US" dirty="0"/>
+            <a:endParaRPr kumimoji="1" lang="ja-JP" altLang="en-US" sz="2800" dirty="0"/>
           </a:p>
         </p:txBody>
       </p:sp>
@@ -6720,16 +6731,21 @@
             <p:ph type="sldNum" sz="quarter" idx="12"/>
           </p:nvPr>
         </p:nvSpPr>
-        <p:spPr/>
+        <p:spPr>
+          <a:xfrm>
+            <a:off x="10353901" y="5969000"/>
+            <a:ext cx="542697" cy="279400"/>
+          </a:xfrm>
+        </p:spPr>
         <p:txBody>
           <a:bodyPr/>
           <a:lstStyle/>
           <a:p>
             <a:fld id="{E97799C9-84D9-46D2-A11E-BCF8A720529D}" type="slidenum">
-              <a:rPr lang="en-US" sz="2800" smtClean="0"/>
+              <a:rPr lang="en-US" smtClean="0"/>
               <a:t>2</a:t>
             </a:fld>
-            <a:endParaRPr lang="en-US" sz="2800" dirty="0"/>
+            <a:endParaRPr lang="en-US" dirty="0"/>
           </a:p>
         </p:txBody>
       </p:sp>
@@ -6793,31 +6809,6 @@
       </p:sp>
       <p:sp>
         <p:nvSpPr>
-          <p:cNvPr id="3" name="コンテンツ プレースホルダー 2">
-            <a:extLst>
-              <a:ext uri="{FF2B5EF4-FFF2-40B4-BE49-F238E27FC236}">
-                <a16:creationId xmlns:a16="http://schemas.microsoft.com/office/drawing/2014/main" id="{4A28BB51-369C-4996-9190-F5516556AB3B}"/>
-              </a:ext>
-            </a:extLst>
-          </p:cNvPr>
-          <p:cNvSpPr>
-            <a:spLocks noGrp="1"/>
-          </p:cNvSpPr>
-          <p:nvPr>
-            <p:ph idx="1"/>
-          </p:nvPr>
-        </p:nvSpPr>
-        <p:spPr/>
-        <p:txBody>
-          <a:bodyPr/>
-          <a:lstStyle/>
-          <a:p>
-            <a:endParaRPr kumimoji="1" lang="ja-JP" altLang="en-US"/>
-          </a:p>
-        </p:txBody>
-      </p:sp>
-      <p:sp>
-        <p:nvSpPr>
           <p:cNvPr id="4" name="スライド番号プレースホルダー 3">
             <a:extLst>
               <a:ext uri="{FF2B5EF4-FFF2-40B4-BE49-F238E27FC236}">
@@ -6845,6 +6836,35 @@
           </a:p>
         </p:txBody>
       </p:sp>
+      <p:pic>
+        <p:nvPicPr>
+          <p:cNvPr id="10" name="コンテンツ プレースホルダー 9">
+            <a:extLst>
+              <a:ext uri="{FF2B5EF4-FFF2-40B4-BE49-F238E27FC236}">
+                <a16:creationId xmlns:a16="http://schemas.microsoft.com/office/drawing/2014/main" id="{33D06CCF-B99A-49FF-9E49-9C956D764B45}"/>
+              </a:ext>
+            </a:extLst>
+          </p:cNvPr>
+          <p:cNvPicPr>
+            <a:picLocks noGrp="1" noChangeAspect="1"/>
+          </p:cNvPicPr>
+          <p:nvPr>
+            <p:ph idx="1"/>
+          </p:nvPr>
+        </p:nvPicPr>
+        <p:blipFill>
+          <a:blip r:embed="rId2"/>
+          <a:stretch>
+            <a:fillRect/>
+          </a:stretch>
+        </p:blipFill>
+        <p:spPr>
+          <a:xfrm>
+            <a:off x="2610678" y="2223780"/>
+            <a:ext cx="7372162" cy="4634220"/>
+          </a:xfrm>
+        </p:spPr>
+      </p:pic>
     </p:spTree>
     <p:extLst>
       <p:ext uri="{BB962C8B-B14F-4D97-AF65-F5344CB8AC3E}">
@@ -6921,23 +6941,29 @@
         </p:nvSpPr>
         <p:spPr/>
         <p:txBody>
-          <a:bodyPr/>
-          <a:lstStyle/>
-          <a:p>
+          <a:bodyPr>
+            <a:normAutofit/>
+          </a:bodyPr>
+          <a:lstStyle/>
+          <a:p>
+            <a:r>
+              <a:rPr lang="ja-JP" altLang="en-US" sz="2800" dirty="0"/>
+              <a:t>プログラムでしりとりを行えるよう使える言葉をポケモンの範囲に絞っている。</a:t>
+            </a:r>
+            <a:endParaRPr lang="en-US" altLang="ja-JP" sz="2800" dirty="0"/>
+          </a:p>
+          <a:p>
+            <a:r>
+              <a:rPr lang="en-US" altLang="ja-JP" sz="2800" dirty="0"/>
+              <a:t>50</a:t>
+            </a:r>
+            <a:r>
+              <a:rPr lang="ja-JP" altLang="en-US" sz="2800" dirty="0"/>
+              <a:t>音のボタンを配置しボタンが有効か無効かを制御することで、消去しりとりで大事な今まで使った文字の把握が容易に出来る</a:t>
+            </a:r>
             <a:r>
               <a:rPr lang="ja-JP" altLang="en-US" dirty="0"/>
-              <a:t>プログラムでしりとりを行えるよう使える言葉をポケモンの範囲に絞っている。</a:t>
-            </a:r>
-            <a:endParaRPr lang="en-US" altLang="ja-JP" dirty="0"/>
-          </a:p>
-          <a:p>
-            <a:r>
-              <a:rPr lang="en-US" altLang="ja-JP" dirty="0"/>
-              <a:t>50</a:t>
-            </a:r>
-            <a:r>
-              <a:rPr lang="ja-JP" altLang="en-US" dirty="0"/>
-              <a:t>音のボタンを配置しボタンが有効か無効かを制御することで、消去しりとりで大事な今まで使った文字の把握が容易に出来る。</a:t>
+              <a:t>。</a:t>
             </a:r>
             <a:endParaRPr kumimoji="1" lang="ja-JP" altLang="en-US" dirty="0"/>
           </a:p>
@@ -7048,25 +7074,27 @@
         </p:nvSpPr>
         <p:spPr/>
         <p:txBody>
-          <a:bodyPr/>
-          <a:lstStyle/>
-          <a:p>
-            <a:r>
-              <a:rPr kumimoji="1" lang="ja-JP" altLang="en-US" dirty="0"/>
+          <a:bodyPr>
+            <a:normAutofit/>
+          </a:bodyPr>
+          <a:lstStyle/>
+          <a:p>
+            <a:r>
+              <a:rPr kumimoji="1" lang="ja-JP" altLang="en-US" sz="2800" dirty="0"/>
               <a:t>ヒントを出すようにする</a:t>
             </a:r>
-            <a:endParaRPr kumimoji="1" lang="en-US" altLang="ja-JP" dirty="0"/>
-          </a:p>
-          <a:p>
-            <a:r>
-              <a:rPr lang="ja-JP" altLang="en-US" dirty="0"/>
+            <a:endParaRPr kumimoji="1" lang="en-US" altLang="ja-JP" sz="2800" dirty="0"/>
+          </a:p>
+          <a:p>
+            <a:r>
+              <a:rPr lang="ja-JP" altLang="en-US" sz="2800" dirty="0"/>
               <a:t>技も使えるようにする</a:t>
             </a:r>
-            <a:endParaRPr lang="en-US" altLang="ja-JP" dirty="0"/>
-          </a:p>
-          <a:p>
-            <a:r>
-              <a:rPr kumimoji="1" lang="ja-JP" altLang="en-US" dirty="0"/>
+            <a:endParaRPr lang="en-US" altLang="ja-JP" sz="2800" dirty="0"/>
+          </a:p>
+          <a:p>
+            <a:r>
+              <a:rPr kumimoji="1" lang="ja-JP" altLang="en-US" sz="2800" dirty="0"/>
               <a:t>制限時間の設定を行えるようにする</a:t>
             </a:r>
           </a:p>

--- a/netpro説明資料.pptx
+++ b/netpro説明資料.pptx
@@ -5,14 +5,22 @@
     <p:sldMasterId id="2147483648" r:id="rId1"/>
   </p:sldMasterIdLst>
   <p:notesMasterIdLst>
-    <p:notesMasterId r:id="rId7"/>
+    <p:notesMasterId r:id="rId15"/>
   </p:notesMasterIdLst>
   <p:sldIdLst>
     <p:sldId id="256" r:id="rId2"/>
-    <p:sldId id="257" r:id="rId3"/>
-    <p:sldId id="258" r:id="rId4"/>
-    <p:sldId id="259" r:id="rId5"/>
-    <p:sldId id="260" r:id="rId6"/>
+    <p:sldId id="268" r:id="rId3"/>
+    <p:sldId id="257" r:id="rId4"/>
+    <p:sldId id="258" r:id="rId5"/>
+    <p:sldId id="259" r:id="rId6"/>
+    <p:sldId id="260" r:id="rId7"/>
+    <p:sldId id="261" r:id="rId8"/>
+    <p:sldId id="262" r:id="rId9"/>
+    <p:sldId id="263" r:id="rId10"/>
+    <p:sldId id="264" r:id="rId11"/>
+    <p:sldId id="265" r:id="rId12"/>
+    <p:sldId id="266" r:id="rId13"/>
+    <p:sldId id="267" r:id="rId14"/>
   </p:sldIdLst>
   <p:sldSz cx="12192000" cy="6858000"/>
   <p:notesSz cx="6858000" cy="9144000"/>
@@ -205,7 +213,7 @@
           <a:p>
             <a:fld id="{3117A693-390D-4141-BFDE-A879BBA9850D}" type="datetimeFigureOut">
               <a:rPr kumimoji="1" lang="ja-JP" altLang="en-US" smtClean="0"/>
-              <a:t>2018/1/12</a:t>
+              <a:t>2018/1/13</a:t>
             </a:fld>
             <a:endParaRPr kumimoji="1" lang="ja-JP" altLang="en-US"/>
           </a:p>
@@ -835,7 +843,7 @@
           <a:p>
             <a:fld id="{54736A33-2E10-45F6-AE88-29D7F4DBB948}" type="datetime1">
               <a:rPr lang="en-US" altLang="ja-JP" smtClean="0"/>
-              <a:t>1/12/2018</a:t>
+              <a:t>1/13/2018</a:t>
             </a:fld>
             <a:endParaRPr lang="en-US" dirty="0"/>
           </a:p>
@@ -1150,7 +1158,7 @@
           <a:p>
             <a:fld id="{445B4282-BE8E-4761-A617-FEA0C25D297B}" type="datetime1">
               <a:rPr lang="en-US" altLang="ja-JP" smtClean="0"/>
-              <a:t>1/12/2018</a:t>
+              <a:t>1/13/2018</a:t>
             </a:fld>
             <a:endParaRPr lang="en-US" dirty="0"/>
           </a:p>
@@ -1394,7 +1402,7 @@
           <a:p>
             <a:fld id="{E3CA667B-A334-4572-B19A-989B50A376F2}" type="datetime1">
               <a:rPr lang="en-US" altLang="ja-JP" smtClean="0"/>
-              <a:t>1/12/2018</a:t>
+              <a:t>1/13/2018</a:t>
             </a:fld>
             <a:endParaRPr lang="en-US" dirty="0"/>
           </a:p>
@@ -1729,7 +1737,7 @@
           <a:p>
             <a:fld id="{8200AE3E-AC6D-45DB-8D41-73EE1A50FC48}" type="datetime1">
               <a:rPr lang="en-US" altLang="ja-JP" smtClean="0"/>
-              <a:t>1/12/2018</a:t>
+              <a:t>1/13/2018</a:t>
             </a:fld>
             <a:endParaRPr lang="en-US" dirty="0"/>
           </a:p>
@@ -2072,7 +2080,7 @@
           <a:p>
             <a:fld id="{50F41E09-D0B1-4B67-941C-F18E44137098}" type="datetime1">
               <a:rPr lang="en-US" altLang="ja-JP" smtClean="0"/>
-              <a:t>1/12/2018</a:t>
+              <a:t>1/13/2018</a:t>
             </a:fld>
             <a:endParaRPr lang="en-US" dirty="0"/>
           </a:p>
@@ -2442,7 +2450,7 @@
           <a:p>
             <a:fld id="{F0CF373C-EBFF-4E6D-AEC1-F16FDEE4BAF8}" type="datetime1">
               <a:rPr lang="en-US" altLang="ja-JP" smtClean="0"/>
-              <a:t>1/12/2018</a:t>
+              <a:t>1/13/2018</a:t>
             </a:fld>
             <a:endParaRPr lang="en-US" dirty="0"/>
           </a:p>
@@ -2908,7 +2916,7 @@
           <a:p>
             <a:fld id="{2F0D9457-BB9A-4872-BD60-5006CF28475E}" type="datetime1">
               <a:rPr lang="en-US" altLang="ja-JP" smtClean="0"/>
-              <a:t>1/12/2018</a:t>
+              <a:t>1/13/2018</a:t>
             </a:fld>
             <a:endParaRPr lang="en-US" dirty="0"/>
           </a:p>
@@ -3141,7 +3149,7 @@
           <a:p>
             <a:fld id="{F441D35B-08EB-41E9-ACE0-89072530B2B9}" type="datetime1">
               <a:rPr lang="en-US" altLang="ja-JP" smtClean="0"/>
-              <a:t>1/12/2018</a:t>
+              <a:t>1/13/2018</a:t>
             </a:fld>
             <a:endParaRPr lang="en-US" dirty="0"/>
           </a:p>
@@ -3380,7 +3388,7 @@
           <a:p>
             <a:fld id="{335CEC27-1AF8-4DEC-AD04-210A39260766}" type="datetime1">
               <a:rPr lang="en-US" altLang="ja-JP" smtClean="0"/>
-              <a:t>1/12/2018</a:t>
+              <a:t>1/13/2018</a:t>
             </a:fld>
             <a:endParaRPr lang="en-US" dirty="0"/>
           </a:p>
@@ -3640,7 +3648,7 @@
           <a:p>
             <a:fld id="{A5B13DE8-87B2-43BF-B6AA-89F8E1671FD9}" type="datetime1">
               <a:rPr lang="en-US" altLang="ja-JP" smtClean="0"/>
-              <a:t>1/12/2018</a:t>
+              <a:t>1/13/2018</a:t>
             </a:fld>
             <a:endParaRPr lang="en-US" dirty="0"/>
           </a:p>
@@ -3888,7 +3896,7 @@
           <a:p>
             <a:fld id="{BFA081B0-87C3-496A-B8DD-667A19607705}" type="datetime1">
               <a:rPr lang="en-US" altLang="ja-JP" smtClean="0"/>
-              <a:t>1/12/2018</a:t>
+              <a:t>1/13/2018</a:t>
             </a:fld>
             <a:endParaRPr lang="en-US" dirty="0"/>
           </a:p>
@@ -4246,7 +4254,7 @@
           <a:p>
             <a:fld id="{D7B4BF97-F394-465F-AF3D-E2172454D878}" type="datetime1">
               <a:rPr lang="en-US" altLang="ja-JP" smtClean="0"/>
-              <a:t>1/12/2018</a:t>
+              <a:t>1/13/2018</a:t>
             </a:fld>
             <a:endParaRPr lang="en-US" dirty="0"/>
           </a:p>
@@ -4699,7 +4707,7 @@
           <a:p>
             <a:fld id="{6A4AD25C-B4F5-480A-B254-622634915126}" type="datetime1">
               <a:rPr lang="en-US" altLang="ja-JP" smtClean="0"/>
-              <a:t>1/12/2018</a:t>
+              <a:t>1/13/2018</a:t>
             </a:fld>
             <a:endParaRPr lang="en-US" dirty="0"/>
           </a:p>
@@ -4844,7 +4852,7 @@
           <a:p>
             <a:fld id="{82249626-8BF2-4E92-B2E4-11566C16793C}" type="datetime1">
               <a:rPr lang="en-US" altLang="ja-JP" smtClean="0"/>
-              <a:t>1/12/2018</a:t>
+              <a:t>1/13/2018</a:t>
             </a:fld>
             <a:endParaRPr lang="en-US" dirty="0"/>
           </a:p>
@@ -4966,7 +4974,7 @@
           <a:p>
             <a:fld id="{0361E320-E138-4C26-8F26-53C06485CEE7}" type="datetime1">
               <a:rPr lang="en-US" altLang="ja-JP" smtClean="0"/>
-              <a:t>1/12/2018</a:t>
+              <a:t>1/13/2018</a:t>
             </a:fld>
             <a:endParaRPr lang="en-US" dirty="0"/>
           </a:p>
@@ -5249,7 +5257,7 @@
           <a:p>
             <a:fld id="{0AB1746A-CEF9-4118-8DF2-9C42DDEB9D09}" type="datetime1">
               <a:rPr lang="en-US" altLang="ja-JP" smtClean="0"/>
-              <a:t>1/12/2018</a:t>
+              <a:t>1/13/2018</a:t>
             </a:fld>
             <a:endParaRPr lang="en-US" dirty="0"/>
           </a:p>
@@ -5560,7 +5568,7 @@
           <a:p>
             <a:fld id="{C86E02C9-057B-4CEB-8DAD-24F8EAD55524}" type="datetime1">
               <a:rPr lang="en-US" altLang="ja-JP" smtClean="0"/>
-              <a:t>1/12/2018</a:t>
+              <a:t>1/13/2018</a:t>
             </a:fld>
             <a:endParaRPr lang="en-US" dirty="0"/>
           </a:p>
@@ -5939,7 +5947,7 @@
           <a:p>
             <a:fld id="{27358E70-C3A2-4916-BF75-7AB7E8F95699}" type="datetime1">
               <a:rPr lang="en-US" altLang="ja-JP" smtClean="0"/>
-              <a:t>1/12/2018</a:t>
+              <a:t>1/13/2018</a:t>
             </a:fld>
             <a:endParaRPr lang="en-US" dirty="0"/>
           </a:p>
@@ -6484,7 +6492,7 @@
           <p:cNvPr id="2" name="タイトル 1">
             <a:extLst>
               <a:ext uri="{FF2B5EF4-FFF2-40B4-BE49-F238E27FC236}">
-                <a16:creationId xmlns:a16="http://schemas.microsoft.com/office/drawing/2014/main" id="{72B12656-329A-4A55-BF70-7CFC7A6391A0}"/>
+                <a16:creationId xmlns:a16="http://schemas.microsoft.com/office/drawing/2014/main" xmlns="" id="{72B12656-329A-4A55-BF70-7CFC7A6391A0}"/>
               </a:ext>
             </a:extLst>
           </p:cNvPr>
@@ -6512,7 +6520,7 @@
           <p:cNvPr id="3" name="サブタイトル 2">
             <a:extLst>
               <a:ext uri="{FF2B5EF4-FFF2-40B4-BE49-F238E27FC236}">
-                <a16:creationId xmlns:a16="http://schemas.microsoft.com/office/drawing/2014/main" id="{70151690-4472-4500-AD1A-F8948B4C97F9}"/>
+                <a16:creationId xmlns:a16="http://schemas.microsoft.com/office/drawing/2014/main" xmlns="" id="{70151690-4472-4500-AD1A-F8948B4C97F9}"/>
               </a:ext>
             </a:extLst>
           </p:cNvPr>
@@ -6558,7 +6566,7 @@
           <p:cNvPr id="4" name="スライド番号プレースホルダー 3">
             <a:extLst>
               <a:ext uri="{FF2B5EF4-FFF2-40B4-BE49-F238E27FC236}">
-                <a16:creationId xmlns:a16="http://schemas.microsoft.com/office/drawing/2014/main" id="{49797E24-3701-4F8F-8E70-0F39367D2E71}"/>
+                <a16:creationId xmlns:a16="http://schemas.microsoft.com/office/drawing/2014/main" xmlns="" id="{49797E24-3701-4F8F-8E70-0F39367D2E71}"/>
               </a:ext>
             </a:extLst>
           </p:cNvPr>
@@ -6587,6 +6595,584 @@
     <p:extLst>
       <p:ext uri="{BB962C8B-B14F-4D97-AF65-F5344CB8AC3E}">
         <p14:creationId xmlns:p14="http://schemas.microsoft.com/office/powerpoint/2010/main" val="806766973"/>
+      </p:ext>
+    </p:extLst>
+  </p:cSld>
+  <p:clrMapOvr>
+    <a:masterClrMapping/>
+  </p:clrMapOvr>
+</p:sld>
+</file>
+
+<file path=ppt/slides/slide10.xml><?xml version="1.0" encoding="utf-8"?>
+<p:sld xmlns:a="http://schemas.openxmlformats.org/drawingml/2006/main" xmlns:r="http://schemas.openxmlformats.org/officeDocument/2006/relationships" xmlns:p="http://schemas.openxmlformats.org/presentationml/2006/main">
+  <p:cSld>
+    <p:spTree>
+      <p:nvGrpSpPr>
+        <p:cNvPr id="1" name=""/>
+        <p:cNvGrpSpPr/>
+        <p:nvPr/>
+      </p:nvGrpSpPr>
+      <p:grpSpPr>
+        <a:xfrm>
+          <a:off x="0" y="0"/>
+          <a:ext cx="0" cy="0"/>
+          <a:chOff x="0" y="0"/>
+          <a:chExt cx="0" cy="0"/>
+        </a:xfrm>
+      </p:grpSpPr>
+      <p:sp>
+        <p:nvSpPr>
+          <p:cNvPr id="2" name="タイトル 1"/>
+          <p:cNvSpPr>
+            <a:spLocks noGrp="1"/>
+          </p:cNvSpPr>
+          <p:nvPr>
+            <p:ph type="title"/>
+          </p:nvPr>
+        </p:nvSpPr>
+        <p:spPr/>
+        <p:txBody>
+          <a:bodyPr/>
+          <a:lstStyle/>
+          <a:p>
+            <a:r>
+              <a:rPr kumimoji="1" lang="ja-JP" altLang="en-US" dirty="0" smtClean="0"/>
+              <a:t>動作説明</a:t>
+            </a:r>
+            <a:endParaRPr kumimoji="1" lang="ja-JP" altLang="en-US" dirty="0"/>
+          </a:p>
+        </p:txBody>
+      </p:sp>
+      <p:sp>
+        <p:nvSpPr>
+          <p:cNvPr id="3" name="コンテンツ プレースホルダー 2"/>
+          <p:cNvSpPr>
+            <a:spLocks noGrp="1"/>
+          </p:cNvSpPr>
+          <p:nvPr>
+            <p:ph idx="1"/>
+          </p:nvPr>
+        </p:nvSpPr>
+        <p:spPr/>
+        <p:txBody>
+          <a:bodyPr/>
+          <a:lstStyle/>
+          <a:p>
+            <a:r>
+              <a:rPr lang="ja-JP" altLang="en-US" dirty="0" smtClean="0"/>
+              <a:t>名前の末尾に合わせて入力（クライアント</a:t>
+            </a:r>
+            <a:r>
+              <a:rPr lang="ja-JP" altLang="en-US" dirty="0"/>
+              <a:t>２</a:t>
+            </a:r>
+            <a:r>
+              <a:rPr lang="ja-JP" altLang="en-US" dirty="0" smtClean="0"/>
+              <a:t>）</a:t>
+            </a:r>
+            <a:endParaRPr kumimoji="1" lang="ja-JP" altLang="en-US" dirty="0"/>
+          </a:p>
+        </p:txBody>
+      </p:sp>
+      <p:sp>
+        <p:nvSpPr>
+          <p:cNvPr id="4" name="スライド番号プレースホルダー 3"/>
+          <p:cNvSpPr>
+            <a:spLocks noGrp="1"/>
+          </p:cNvSpPr>
+          <p:nvPr>
+            <p:ph type="sldNum" sz="quarter" idx="12"/>
+          </p:nvPr>
+        </p:nvSpPr>
+        <p:spPr/>
+        <p:txBody>
+          <a:bodyPr/>
+          <a:lstStyle/>
+          <a:p>
+            <a:fld id="{E97799C9-84D9-46D2-A11E-BCF8A720529D}" type="slidenum">
+              <a:rPr lang="en-US" smtClean="0"/>
+              <a:pPr/>
+              <a:t>10</a:t>
+            </a:fld>
+            <a:endParaRPr lang="en-US" dirty="0"/>
+          </a:p>
+        </p:txBody>
+      </p:sp>
+      <p:pic>
+        <p:nvPicPr>
+          <p:cNvPr id="5" name="図 4"/>
+          <p:cNvPicPr>
+            <a:picLocks noChangeAspect="1"/>
+          </p:cNvPicPr>
+          <p:nvPr/>
+        </p:nvPicPr>
+        <p:blipFill>
+          <a:blip r:embed="rId2">
+            <a:extLst>
+              <a:ext uri="{28A0092B-C50C-407E-A947-70E740481C1C}">
+                <a14:useLocalDpi xmlns:a14="http://schemas.microsoft.com/office/drawing/2010/main" val="0"/>
+              </a:ext>
+            </a:extLst>
+          </a:blip>
+          <a:stretch>
+            <a:fillRect/>
+          </a:stretch>
+        </p:blipFill>
+        <p:spPr>
+          <a:xfrm>
+            <a:off x="3710732" y="2961367"/>
+            <a:ext cx="4770533" cy="3147333"/>
+          </a:xfrm>
+          <a:prstGeom prst="rect">
+            <a:avLst/>
+          </a:prstGeom>
+        </p:spPr>
+      </p:pic>
+    </p:spTree>
+    <p:extLst>
+      <p:ext uri="{BB962C8B-B14F-4D97-AF65-F5344CB8AC3E}">
+        <p14:creationId xmlns:p14="http://schemas.microsoft.com/office/powerpoint/2010/main" val="2821552842"/>
+      </p:ext>
+    </p:extLst>
+  </p:cSld>
+  <p:clrMapOvr>
+    <a:masterClrMapping/>
+  </p:clrMapOvr>
+</p:sld>
+</file>
+
+<file path=ppt/slides/slide11.xml><?xml version="1.0" encoding="utf-8"?>
+<p:sld xmlns:a="http://schemas.openxmlformats.org/drawingml/2006/main" xmlns:r="http://schemas.openxmlformats.org/officeDocument/2006/relationships" xmlns:p="http://schemas.openxmlformats.org/presentationml/2006/main">
+  <p:cSld>
+    <p:spTree>
+      <p:nvGrpSpPr>
+        <p:cNvPr id="1" name=""/>
+        <p:cNvGrpSpPr/>
+        <p:nvPr/>
+      </p:nvGrpSpPr>
+      <p:grpSpPr>
+        <a:xfrm>
+          <a:off x="0" y="0"/>
+          <a:ext cx="0" cy="0"/>
+          <a:chOff x="0" y="0"/>
+          <a:chExt cx="0" cy="0"/>
+        </a:xfrm>
+      </p:grpSpPr>
+      <p:sp>
+        <p:nvSpPr>
+          <p:cNvPr id="2" name="タイトル 1"/>
+          <p:cNvSpPr>
+            <a:spLocks noGrp="1"/>
+          </p:cNvSpPr>
+          <p:nvPr>
+            <p:ph type="title"/>
+          </p:nvPr>
+        </p:nvSpPr>
+        <p:spPr/>
+        <p:txBody>
+          <a:bodyPr/>
+          <a:lstStyle/>
+          <a:p>
+            <a:r>
+              <a:rPr kumimoji="1" lang="ja-JP" altLang="en-US" dirty="0" smtClean="0"/>
+              <a:t>動作説明</a:t>
+            </a:r>
+            <a:endParaRPr kumimoji="1" lang="ja-JP" altLang="en-US" dirty="0"/>
+          </a:p>
+        </p:txBody>
+      </p:sp>
+      <p:sp>
+        <p:nvSpPr>
+          <p:cNvPr id="3" name="コンテンツ プレースホルダー 2"/>
+          <p:cNvSpPr>
+            <a:spLocks noGrp="1"/>
+          </p:cNvSpPr>
+          <p:nvPr>
+            <p:ph idx="1"/>
+          </p:nvPr>
+        </p:nvSpPr>
+        <p:spPr/>
+        <p:txBody>
+          <a:bodyPr/>
+          <a:lstStyle/>
+          <a:p>
+            <a:r>
+              <a:rPr lang="en-US" altLang="ja-JP" dirty="0" smtClean="0"/>
+              <a:t>OK</a:t>
+            </a:r>
+            <a:r>
+              <a:rPr lang="ja-JP" altLang="en-US" dirty="0" smtClean="0"/>
+              <a:t>で送信する（クライアント</a:t>
+            </a:r>
+            <a:r>
+              <a:rPr lang="ja-JP" altLang="en-US" dirty="0"/>
+              <a:t>２</a:t>
+            </a:r>
+            <a:r>
+              <a:rPr lang="ja-JP" altLang="en-US" dirty="0" smtClean="0"/>
+              <a:t>）</a:t>
+            </a:r>
+            <a:endParaRPr kumimoji="1" lang="ja-JP" altLang="en-US" dirty="0"/>
+          </a:p>
+        </p:txBody>
+      </p:sp>
+      <p:sp>
+        <p:nvSpPr>
+          <p:cNvPr id="4" name="スライド番号プレースホルダー 3"/>
+          <p:cNvSpPr>
+            <a:spLocks noGrp="1"/>
+          </p:cNvSpPr>
+          <p:nvPr>
+            <p:ph type="sldNum" sz="quarter" idx="12"/>
+          </p:nvPr>
+        </p:nvSpPr>
+        <p:spPr/>
+        <p:txBody>
+          <a:bodyPr/>
+          <a:lstStyle/>
+          <a:p>
+            <a:fld id="{E97799C9-84D9-46D2-A11E-BCF8A720529D}" type="slidenum">
+              <a:rPr lang="en-US" smtClean="0"/>
+              <a:pPr/>
+              <a:t>11</a:t>
+            </a:fld>
+            <a:endParaRPr lang="en-US" dirty="0"/>
+          </a:p>
+        </p:txBody>
+      </p:sp>
+      <p:pic>
+        <p:nvPicPr>
+          <p:cNvPr id="6" name="図 5"/>
+          <p:cNvPicPr>
+            <a:picLocks noChangeAspect="1"/>
+          </p:cNvPicPr>
+          <p:nvPr/>
+        </p:nvPicPr>
+        <p:blipFill>
+          <a:blip r:embed="rId2">
+            <a:extLst>
+              <a:ext uri="{28A0092B-C50C-407E-A947-70E740481C1C}">
+                <a14:useLocalDpi xmlns:a14="http://schemas.microsoft.com/office/drawing/2010/main" val="0"/>
+              </a:ext>
+            </a:extLst>
+          </a:blip>
+          <a:stretch>
+            <a:fillRect/>
+          </a:stretch>
+        </p:blipFill>
+        <p:spPr>
+          <a:xfrm>
+            <a:off x="3710732" y="2999468"/>
+            <a:ext cx="4770533" cy="3147333"/>
+          </a:xfrm>
+          <a:prstGeom prst="rect">
+            <a:avLst/>
+          </a:prstGeom>
+        </p:spPr>
+      </p:pic>
+    </p:spTree>
+    <p:extLst>
+      <p:ext uri="{BB962C8B-B14F-4D97-AF65-F5344CB8AC3E}">
+        <p14:creationId xmlns:p14="http://schemas.microsoft.com/office/powerpoint/2010/main" val="2264283268"/>
+      </p:ext>
+    </p:extLst>
+  </p:cSld>
+  <p:clrMapOvr>
+    <a:masterClrMapping/>
+  </p:clrMapOvr>
+</p:sld>
+</file>
+
+<file path=ppt/slides/slide12.xml><?xml version="1.0" encoding="utf-8"?>
+<p:sld xmlns:a="http://schemas.openxmlformats.org/drawingml/2006/main" xmlns:r="http://schemas.openxmlformats.org/officeDocument/2006/relationships" xmlns:p="http://schemas.openxmlformats.org/presentationml/2006/main">
+  <p:cSld>
+    <p:spTree>
+      <p:nvGrpSpPr>
+        <p:cNvPr id="1" name=""/>
+        <p:cNvGrpSpPr/>
+        <p:nvPr/>
+      </p:nvGrpSpPr>
+      <p:grpSpPr>
+        <a:xfrm>
+          <a:off x="0" y="0"/>
+          <a:ext cx="0" cy="0"/>
+          <a:chOff x="0" y="0"/>
+          <a:chExt cx="0" cy="0"/>
+        </a:xfrm>
+      </p:grpSpPr>
+      <p:sp>
+        <p:nvSpPr>
+          <p:cNvPr id="2" name="タイトル 1"/>
+          <p:cNvSpPr>
+            <a:spLocks noGrp="1"/>
+          </p:cNvSpPr>
+          <p:nvPr>
+            <p:ph type="title"/>
+          </p:nvPr>
+        </p:nvSpPr>
+        <p:spPr/>
+        <p:txBody>
+          <a:bodyPr/>
+          <a:lstStyle/>
+          <a:p>
+            <a:r>
+              <a:rPr kumimoji="1" lang="ja-JP" altLang="en-US" dirty="0" smtClean="0"/>
+              <a:t>動作説明</a:t>
+            </a:r>
+            <a:endParaRPr kumimoji="1" lang="ja-JP" altLang="en-US" dirty="0"/>
+          </a:p>
+        </p:txBody>
+      </p:sp>
+      <p:sp>
+        <p:nvSpPr>
+          <p:cNvPr id="3" name="コンテンツ プレースホルダー 2"/>
+          <p:cNvSpPr>
+            <a:spLocks noGrp="1"/>
+          </p:cNvSpPr>
+          <p:nvPr>
+            <p:ph idx="1"/>
+          </p:nvPr>
+        </p:nvSpPr>
+        <p:spPr/>
+        <p:txBody>
+          <a:bodyPr/>
+          <a:lstStyle/>
+          <a:p>
+            <a:r>
+              <a:rPr lang="ja-JP" altLang="en-US" dirty="0" smtClean="0"/>
+              <a:t>末尾が「ン」だと負け（クライアント</a:t>
+            </a:r>
+            <a:r>
+              <a:rPr lang="ja-JP" altLang="en-US" dirty="0"/>
+              <a:t>２</a:t>
+            </a:r>
+            <a:r>
+              <a:rPr lang="ja-JP" altLang="en-US" dirty="0" smtClean="0"/>
+              <a:t>）</a:t>
+            </a:r>
+            <a:endParaRPr kumimoji="1" lang="ja-JP" altLang="en-US" dirty="0"/>
+          </a:p>
+        </p:txBody>
+      </p:sp>
+      <p:sp>
+        <p:nvSpPr>
+          <p:cNvPr id="4" name="スライド番号プレースホルダー 3"/>
+          <p:cNvSpPr>
+            <a:spLocks noGrp="1"/>
+          </p:cNvSpPr>
+          <p:nvPr>
+            <p:ph type="sldNum" sz="quarter" idx="12"/>
+          </p:nvPr>
+        </p:nvSpPr>
+        <p:spPr/>
+        <p:txBody>
+          <a:bodyPr/>
+          <a:lstStyle/>
+          <a:p>
+            <a:fld id="{E97799C9-84D9-46D2-A11E-BCF8A720529D}" type="slidenum">
+              <a:rPr lang="en-US" smtClean="0"/>
+              <a:pPr/>
+              <a:t>12</a:t>
+            </a:fld>
+            <a:endParaRPr lang="en-US" dirty="0"/>
+          </a:p>
+        </p:txBody>
+      </p:sp>
+      <p:pic>
+        <p:nvPicPr>
+          <p:cNvPr id="5" name="図 4"/>
+          <p:cNvPicPr>
+            <a:picLocks noChangeAspect="1"/>
+          </p:cNvPicPr>
+          <p:nvPr/>
+        </p:nvPicPr>
+        <p:blipFill>
+          <a:blip r:embed="rId2">
+            <a:extLst>
+              <a:ext uri="{28A0092B-C50C-407E-A947-70E740481C1C}">
+                <a14:useLocalDpi xmlns:a14="http://schemas.microsoft.com/office/drawing/2010/main" val="0"/>
+              </a:ext>
+            </a:extLst>
+          </a:blip>
+          <a:stretch>
+            <a:fillRect/>
+          </a:stretch>
+        </p:blipFill>
+        <p:spPr>
+          <a:xfrm>
+            <a:off x="3710732" y="2961367"/>
+            <a:ext cx="4770533" cy="3147333"/>
+          </a:xfrm>
+          <a:prstGeom prst="rect">
+            <a:avLst/>
+          </a:prstGeom>
+        </p:spPr>
+      </p:pic>
+    </p:spTree>
+    <p:extLst>
+      <p:ext uri="{BB962C8B-B14F-4D97-AF65-F5344CB8AC3E}">
+        <p14:creationId xmlns:p14="http://schemas.microsoft.com/office/powerpoint/2010/main" val="79118387"/>
+      </p:ext>
+    </p:extLst>
+  </p:cSld>
+  <p:clrMapOvr>
+    <a:masterClrMapping/>
+  </p:clrMapOvr>
+</p:sld>
+</file>
+
+<file path=ppt/slides/slide13.xml><?xml version="1.0" encoding="utf-8"?>
+<p:sld xmlns:a="http://schemas.openxmlformats.org/drawingml/2006/main" xmlns:r="http://schemas.openxmlformats.org/officeDocument/2006/relationships" xmlns:p="http://schemas.openxmlformats.org/presentationml/2006/main">
+  <p:cSld>
+    <p:spTree>
+      <p:nvGrpSpPr>
+        <p:cNvPr id="1" name=""/>
+        <p:cNvGrpSpPr/>
+        <p:nvPr/>
+      </p:nvGrpSpPr>
+      <p:grpSpPr>
+        <a:xfrm>
+          <a:off x="0" y="0"/>
+          <a:ext cx="0" cy="0"/>
+          <a:chOff x="0" y="0"/>
+          <a:chExt cx="0" cy="0"/>
+        </a:xfrm>
+      </p:grpSpPr>
+      <p:pic>
+        <p:nvPicPr>
+          <p:cNvPr id="7" name="図 6"/>
+          <p:cNvPicPr>
+            <a:picLocks noChangeAspect="1"/>
+          </p:cNvPicPr>
+          <p:nvPr/>
+        </p:nvPicPr>
+        <p:blipFill>
+          <a:blip r:embed="rId2">
+            <a:extLst>
+              <a:ext uri="{28A0092B-C50C-407E-A947-70E740481C1C}">
+                <a14:useLocalDpi xmlns:a14="http://schemas.microsoft.com/office/drawing/2010/main" val="0"/>
+              </a:ext>
+            </a:extLst>
+          </a:blip>
+          <a:stretch>
+            <a:fillRect/>
+          </a:stretch>
+        </p:blipFill>
+        <p:spPr>
+          <a:xfrm>
+            <a:off x="6195642" y="2953747"/>
+            <a:ext cx="4778154" cy="3154953"/>
+          </a:xfrm>
+          <a:prstGeom prst="rect">
+            <a:avLst/>
+          </a:prstGeom>
+        </p:spPr>
+      </p:pic>
+      <p:sp>
+        <p:nvSpPr>
+          <p:cNvPr id="2" name="タイトル 1"/>
+          <p:cNvSpPr>
+            <a:spLocks noGrp="1"/>
+          </p:cNvSpPr>
+          <p:nvPr>
+            <p:ph type="title"/>
+          </p:nvPr>
+        </p:nvSpPr>
+        <p:spPr/>
+        <p:txBody>
+          <a:bodyPr/>
+          <a:lstStyle/>
+          <a:p>
+            <a:r>
+              <a:rPr kumimoji="1" lang="ja-JP" altLang="en-US" dirty="0" smtClean="0"/>
+              <a:t>動作説明</a:t>
+            </a:r>
+            <a:endParaRPr kumimoji="1" lang="ja-JP" altLang="en-US" dirty="0"/>
+          </a:p>
+        </p:txBody>
+      </p:sp>
+      <p:sp>
+        <p:nvSpPr>
+          <p:cNvPr id="3" name="コンテンツ プレースホルダー 2"/>
+          <p:cNvSpPr>
+            <a:spLocks noGrp="1"/>
+          </p:cNvSpPr>
+          <p:nvPr>
+            <p:ph idx="1"/>
+          </p:nvPr>
+        </p:nvSpPr>
+        <p:spPr/>
+        <p:txBody>
+          <a:bodyPr/>
+          <a:lstStyle/>
+          <a:p>
+            <a:r>
+              <a:rPr lang="ja-JP" altLang="en-US" dirty="0" smtClean="0"/>
+              <a:t>勝敗を表示</a:t>
+            </a:r>
+            <a:endParaRPr kumimoji="1" lang="ja-JP" altLang="en-US" dirty="0"/>
+          </a:p>
+        </p:txBody>
+      </p:sp>
+      <p:sp>
+        <p:nvSpPr>
+          <p:cNvPr id="4" name="スライド番号プレースホルダー 3"/>
+          <p:cNvSpPr>
+            <a:spLocks noGrp="1"/>
+          </p:cNvSpPr>
+          <p:nvPr>
+            <p:ph type="sldNum" sz="quarter" idx="12"/>
+          </p:nvPr>
+        </p:nvSpPr>
+        <p:spPr/>
+        <p:txBody>
+          <a:bodyPr/>
+          <a:lstStyle/>
+          <a:p>
+            <a:fld id="{E97799C9-84D9-46D2-A11E-BCF8A720529D}" type="slidenum">
+              <a:rPr lang="en-US" smtClean="0"/>
+              <a:pPr/>
+              <a:t>13</a:t>
+            </a:fld>
+            <a:endParaRPr lang="en-US" dirty="0"/>
+          </a:p>
+        </p:txBody>
+      </p:sp>
+      <p:pic>
+        <p:nvPicPr>
+          <p:cNvPr id="6" name="図 5"/>
+          <p:cNvPicPr>
+            <a:picLocks noChangeAspect="1"/>
+          </p:cNvPicPr>
+          <p:nvPr/>
+        </p:nvPicPr>
+        <p:blipFill>
+          <a:blip r:embed="rId3">
+            <a:extLst>
+              <a:ext uri="{28A0092B-C50C-407E-A947-70E740481C1C}">
+                <a14:useLocalDpi xmlns:a14="http://schemas.microsoft.com/office/drawing/2010/main" val="0"/>
+              </a:ext>
+            </a:extLst>
+          </a:blip>
+          <a:stretch>
+            <a:fillRect/>
+          </a:stretch>
+        </p:blipFill>
+        <p:spPr>
+          <a:xfrm>
+            <a:off x="1325466" y="2953747"/>
+            <a:ext cx="4770533" cy="3147333"/>
+          </a:xfrm>
+          <a:prstGeom prst="rect">
+            <a:avLst/>
+          </a:prstGeom>
+        </p:spPr>
+      </p:pic>
+    </p:spTree>
+    <p:extLst>
+      <p:ext uri="{BB962C8B-B14F-4D97-AF65-F5344CB8AC3E}">
+        <p14:creationId xmlns:p14="http://schemas.microsoft.com/office/powerpoint/2010/main" val="2936035820"/>
       </p:ext>
     </p:extLst>
   </p:cSld>
@@ -6615,13 +7201,7 @@
       </p:grpSpPr>
       <p:sp>
         <p:nvSpPr>
-          <p:cNvPr id="2" name="タイトル 1">
-            <a:extLst>
-              <a:ext uri="{FF2B5EF4-FFF2-40B4-BE49-F238E27FC236}">
-                <a16:creationId xmlns:a16="http://schemas.microsoft.com/office/drawing/2014/main" id="{CE1F0E71-D1A3-4CDA-B4C7-9942FA6B86C7}"/>
-              </a:ext>
-            </a:extLst>
-          </p:cNvPr>
+          <p:cNvPr id="2" name="タイトル 1"/>
           <p:cNvSpPr>
             <a:spLocks noGrp="1"/>
           </p:cNvSpPr>
@@ -6635,21 +7215,16 @@
           <a:lstStyle/>
           <a:p>
             <a:r>
-              <a:rPr kumimoji="1" lang="ja-JP" altLang="en-US" dirty="0"/>
-              <a:t>役割分担</a:t>
-            </a:r>
-          </a:p>
-        </p:txBody>
-      </p:sp>
-      <p:sp>
-        <p:nvSpPr>
-          <p:cNvPr id="3" name="コンテンツ プレースホルダー 2">
-            <a:extLst>
-              <a:ext uri="{FF2B5EF4-FFF2-40B4-BE49-F238E27FC236}">
-                <a16:creationId xmlns:a16="http://schemas.microsoft.com/office/drawing/2014/main" id="{9396FF22-4B87-49DE-97B4-59F5890C8F7F}"/>
-              </a:ext>
-            </a:extLst>
-          </p:cNvPr>
+              <a:rPr lang="ja-JP" altLang="en-US" dirty="0"/>
+              <a:t>成果物</a:t>
+            </a:r>
+            <a:endParaRPr kumimoji="1" lang="ja-JP" altLang="en-US" dirty="0"/>
+          </a:p>
+        </p:txBody>
+      </p:sp>
+      <p:sp>
+        <p:nvSpPr>
+          <p:cNvPr id="3" name="コンテンツ プレースホルダー 2"/>
           <p:cNvSpPr>
             <a:spLocks noGrp="1"/>
           </p:cNvSpPr>
@@ -6660,70 +7235,111 @@
         <p:spPr/>
         <p:txBody>
           <a:bodyPr>
-            <a:normAutofit/>
+            <a:normAutofit lnSpcReduction="10000"/>
           </a:bodyPr>
           <a:lstStyle/>
           <a:p>
             <a:r>
-              <a:rPr kumimoji="1" lang="ja-JP" altLang="en-US" sz="2800" dirty="0"/>
-              <a:t>サーバー及び、しりとりの動作処理</a:t>
-            </a:r>
-            <a:endParaRPr lang="en-US" altLang="ja-JP" sz="2800" dirty="0"/>
-          </a:p>
-          <a:p>
-            <a:pPr marL="0" indent="0">
+              <a:rPr lang="ja-JP" altLang="en-US" dirty="0"/>
+              <a:t>ポケモンの名前縛りで消去</a:t>
+            </a:r>
+            <a:r>
+              <a:rPr lang="ja-JP" altLang="en-US" dirty="0" smtClean="0"/>
+              <a:t>しりとり</a:t>
+            </a:r>
+            <a:endParaRPr lang="en-US" altLang="ja-JP" dirty="0"/>
+          </a:p>
+          <a:p>
+            <a:r>
+              <a:rPr lang="ja-JP" altLang="en-US" dirty="0"/>
+              <a:t>「消去しりとり」とは</a:t>
+            </a:r>
+            <a:endParaRPr lang="en-US" altLang="ja-JP" dirty="0"/>
+          </a:p>
+          <a:p>
+            <a:pPr marL="457200" lvl="1" indent="0">
               <a:buNone/>
             </a:pPr>
             <a:r>
-              <a:rPr kumimoji="1" lang="en-US" altLang="ja-JP" sz="2800" dirty="0"/>
-              <a:t>	</a:t>
-            </a:r>
-            <a:r>
-              <a:rPr kumimoji="1" lang="ja-JP" altLang="en-US" sz="2800" dirty="0"/>
-              <a:t>→　尾崎</a:t>
-            </a:r>
-            <a:endParaRPr kumimoji="1" lang="en-US" altLang="ja-JP" sz="2800" dirty="0"/>
-          </a:p>
-          <a:p>
-            <a:r>
-              <a:rPr kumimoji="1" lang="ja-JP" altLang="en-US" sz="2800" dirty="0"/>
+              <a:rPr lang="ja-JP" altLang="en-US" dirty="0"/>
+              <a:t>５０音の言葉を一度ずつしか使えないしりとり</a:t>
+            </a:r>
+            <a:endParaRPr lang="en-US" altLang="ja-JP" dirty="0"/>
+          </a:p>
+          <a:p>
+            <a:pPr marL="457200" lvl="1" indent="0">
+              <a:buNone/>
+            </a:pPr>
+            <a:r>
+              <a:rPr lang="ja-JP" altLang="en-US" dirty="0"/>
+              <a:t>濁点や半濁点のついた語は、それを無いものとした時の語でカウント</a:t>
+            </a:r>
+            <a:r>
+              <a:rPr lang="ja-JP" altLang="en-US" dirty="0" smtClean="0"/>
+              <a:t>する</a:t>
+            </a:r>
+            <a:endParaRPr lang="en-US" altLang="ja-JP" dirty="0"/>
+          </a:p>
+          <a:p>
+            <a:pPr marL="457200" lvl="1" indent="0">
+              <a:buNone/>
+            </a:pPr>
+            <a:endParaRPr lang="en-US" altLang="ja-JP" dirty="0"/>
+          </a:p>
+          <a:p>
+            <a:r>
+              <a:rPr lang="ja-JP" altLang="en-US" dirty="0"/>
+              <a:t>通信：</a:t>
+            </a:r>
+            <a:r>
+              <a:rPr lang="en-US" altLang="ja-JP" dirty="0"/>
+              <a:t>TCP</a:t>
+            </a:r>
+            <a:r>
+              <a:rPr lang="ja-JP" altLang="en-US" dirty="0"/>
+              <a:t>通信　</a:t>
+            </a:r>
+            <a:r>
+              <a:rPr lang="ja-JP" altLang="en-US" dirty="0" smtClean="0"/>
+              <a:t>サーバ</a:t>
+            </a:r>
+            <a:r>
+              <a:rPr lang="en-US" altLang="ja-JP" dirty="0" smtClean="0"/>
+              <a:t>1:</a:t>
+            </a:r>
+            <a:r>
+              <a:rPr lang="ja-JP" altLang="en-US" dirty="0" smtClean="0"/>
               <a:t>クライアント</a:t>
             </a:r>
             <a:r>
-              <a:rPr kumimoji="1" lang="en-US" altLang="ja-JP" sz="2800" dirty="0"/>
-              <a:t>(GUI)</a:t>
-            </a:r>
-            <a:r>
-              <a:rPr kumimoji="1" lang="ja-JP" altLang="en-US" sz="2800" dirty="0"/>
-              <a:t>及び、言葉の処理</a:t>
-            </a:r>
-            <a:endParaRPr kumimoji="1" lang="en-US" altLang="ja-JP" sz="2800" dirty="0"/>
-          </a:p>
-          <a:p>
-            <a:pPr marL="0" indent="0">
-              <a:buNone/>
-            </a:pPr>
-            <a:r>
-              <a:rPr lang="en-US" altLang="ja-JP" sz="2800" dirty="0"/>
-              <a:t>	</a:t>
-            </a:r>
-            <a:r>
-              <a:rPr lang="ja-JP" altLang="en-US" sz="2800" dirty="0"/>
-              <a:t>→　江森</a:t>
-            </a:r>
-            <a:endParaRPr kumimoji="1" lang="ja-JP" altLang="en-US" sz="2800" dirty="0"/>
-          </a:p>
-        </p:txBody>
-      </p:sp>
-      <p:sp>
-        <p:nvSpPr>
-          <p:cNvPr id="4" name="スライド番号プレースホルダー 3">
-            <a:extLst>
-              <a:ext uri="{FF2B5EF4-FFF2-40B4-BE49-F238E27FC236}">
-                <a16:creationId xmlns:a16="http://schemas.microsoft.com/office/drawing/2014/main" id="{40C7D656-151F-409C-B903-BB9EEDAAC540}"/>
-              </a:ext>
-            </a:extLst>
-          </p:cNvPr>
+              <a:rPr lang="en-US" altLang="ja-JP" dirty="0"/>
+              <a:t>2</a:t>
+            </a:r>
+          </a:p>
+          <a:p>
+            <a:r>
+              <a:rPr lang="ja-JP" altLang="en-US" dirty="0"/>
+              <a:t>実装</a:t>
+            </a:r>
+            <a:r>
+              <a:rPr lang="ja-JP" altLang="en-US" dirty="0" smtClean="0"/>
+              <a:t>：</a:t>
+            </a:r>
+            <a:r>
+              <a:rPr lang="en-US" altLang="ja-JP" dirty="0"/>
+              <a:t>J</a:t>
+            </a:r>
+            <a:r>
+              <a:rPr lang="en-US" altLang="ja-JP" dirty="0" smtClean="0"/>
+              <a:t>ava</a:t>
+            </a:r>
+            <a:endParaRPr lang="en-US" altLang="ja-JP" dirty="0"/>
+          </a:p>
+        </p:txBody>
+      </p:sp>
+      <p:sp>
+        <p:nvSpPr>
+          <p:cNvPr id="4" name="スライド番号プレースホルダー 3"/>
           <p:cNvSpPr>
             <a:spLocks noGrp="1"/>
           </p:cNvSpPr>
@@ -6731,18 +7347,14 @@
             <p:ph type="sldNum" sz="quarter" idx="12"/>
           </p:nvPr>
         </p:nvSpPr>
-        <p:spPr>
-          <a:xfrm>
-            <a:off x="10353901" y="5969000"/>
-            <a:ext cx="542697" cy="279400"/>
-          </a:xfrm>
-        </p:spPr>
+        <p:spPr/>
         <p:txBody>
           <a:bodyPr/>
           <a:lstStyle/>
           <a:p>
             <a:fld id="{E97799C9-84D9-46D2-A11E-BCF8A720529D}" type="slidenum">
               <a:rPr lang="en-US" smtClean="0"/>
+              <a:pPr/>
               <a:t>2</a:t>
             </a:fld>
             <a:endParaRPr lang="en-US" dirty="0"/>
@@ -6752,7 +7364,7 @@
     </p:spTree>
     <p:extLst>
       <p:ext uri="{BB962C8B-B14F-4D97-AF65-F5344CB8AC3E}">
-        <p14:creationId xmlns:p14="http://schemas.microsoft.com/office/powerpoint/2010/main" val="2902566324"/>
+        <p14:creationId xmlns:p14="http://schemas.microsoft.com/office/powerpoint/2010/main" val="2573062833"/>
       </p:ext>
     </p:extLst>
   </p:cSld>
@@ -6784,7 +7396,7 @@
           <p:cNvPr id="2" name="タイトル 1">
             <a:extLst>
               <a:ext uri="{FF2B5EF4-FFF2-40B4-BE49-F238E27FC236}">
-                <a16:creationId xmlns:a16="http://schemas.microsoft.com/office/drawing/2014/main" id="{6AAAE915-F0EF-475F-A03C-A84003212E73}"/>
+                <a16:creationId xmlns:a16="http://schemas.microsoft.com/office/drawing/2014/main" xmlns="" id="{CE1F0E71-D1A3-4CDA-B4C7-9942FA6B86C7}"/>
               </a:ext>
             </a:extLst>
           </p:cNvPr>
@@ -6802,8 +7414,82 @@
           <a:p>
             <a:r>
               <a:rPr kumimoji="1" lang="ja-JP" altLang="en-US" dirty="0"/>
-              <a:t>シーケンス図</a:t>
-            </a:r>
+              <a:t>役割分担</a:t>
+            </a:r>
+          </a:p>
+        </p:txBody>
+      </p:sp>
+      <p:sp>
+        <p:nvSpPr>
+          <p:cNvPr id="3" name="コンテンツ プレースホルダー 2">
+            <a:extLst>
+              <a:ext uri="{FF2B5EF4-FFF2-40B4-BE49-F238E27FC236}">
+                <a16:creationId xmlns:a16="http://schemas.microsoft.com/office/drawing/2014/main" xmlns="" id="{9396FF22-4B87-49DE-97B4-59F5890C8F7F}"/>
+              </a:ext>
+            </a:extLst>
+          </p:cNvPr>
+          <p:cNvSpPr>
+            <a:spLocks noGrp="1"/>
+          </p:cNvSpPr>
+          <p:nvPr>
+            <p:ph idx="1"/>
+          </p:nvPr>
+        </p:nvSpPr>
+        <p:spPr/>
+        <p:txBody>
+          <a:bodyPr>
+            <a:normAutofit/>
+          </a:bodyPr>
+          <a:lstStyle/>
+          <a:p>
+            <a:r>
+              <a:rPr kumimoji="1" lang="ja-JP" altLang="en-US" sz="2800" dirty="0"/>
+              <a:t>サーバー及び、しりとりの動作処理</a:t>
+            </a:r>
+            <a:endParaRPr lang="en-US" altLang="ja-JP" sz="2800" dirty="0"/>
+          </a:p>
+          <a:p>
+            <a:pPr marL="0" indent="0">
+              <a:buNone/>
+            </a:pPr>
+            <a:r>
+              <a:rPr kumimoji="1" lang="en-US" altLang="ja-JP" sz="2800" dirty="0"/>
+              <a:t>	</a:t>
+            </a:r>
+            <a:r>
+              <a:rPr kumimoji="1" lang="ja-JP" altLang="en-US" sz="2800" dirty="0"/>
+              <a:t>→　尾崎</a:t>
+            </a:r>
+            <a:endParaRPr kumimoji="1" lang="en-US" altLang="ja-JP" sz="2800" dirty="0"/>
+          </a:p>
+          <a:p>
+            <a:r>
+              <a:rPr kumimoji="1" lang="ja-JP" altLang="en-US" sz="2800" dirty="0"/>
+              <a:t>クライアント</a:t>
+            </a:r>
+            <a:r>
+              <a:rPr kumimoji="1" lang="en-US" altLang="ja-JP" sz="2800" dirty="0"/>
+              <a:t>(GUI)</a:t>
+            </a:r>
+            <a:r>
+              <a:rPr kumimoji="1" lang="ja-JP" altLang="en-US" sz="2800" dirty="0"/>
+              <a:t>及び、言葉の処理</a:t>
+            </a:r>
+            <a:endParaRPr kumimoji="1" lang="en-US" altLang="ja-JP" sz="2800" dirty="0"/>
+          </a:p>
+          <a:p>
+            <a:pPr marL="0" indent="0">
+              <a:buNone/>
+            </a:pPr>
+            <a:r>
+              <a:rPr lang="en-US" altLang="ja-JP" sz="2800" dirty="0"/>
+              <a:t>	</a:t>
+            </a:r>
+            <a:r>
+              <a:rPr lang="ja-JP" altLang="en-US" sz="2800" dirty="0"/>
+              <a:t>→　江森</a:t>
+            </a:r>
+            <a:endParaRPr kumimoji="1" lang="ja-JP" altLang="en-US" sz="2800" dirty="0"/>
           </a:p>
         </p:txBody>
       </p:sp>
@@ -6812,7 +7498,7 @@
           <p:cNvPr id="4" name="スライド番号プレースホルダー 3">
             <a:extLst>
               <a:ext uri="{FF2B5EF4-FFF2-40B4-BE49-F238E27FC236}">
-                <a16:creationId xmlns:a16="http://schemas.microsoft.com/office/drawing/2014/main" id="{2DAC6CD4-3F5D-44CB-9D9F-50BAC4E8545B}"/>
+                <a16:creationId xmlns:a16="http://schemas.microsoft.com/office/drawing/2014/main" xmlns="" id="{40C7D656-151F-409C-B903-BB9EEDAAC540}"/>
               </a:ext>
             </a:extLst>
           </p:cNvPr>
@@ -6823,7 +7509,12 @@
             <p:ph type="sldNum" sz="quarter" idx="12"/>
           </p:nvPr>
         </p:nvSpPr>
-        <p:spPr/>
+        <p:spPr>
+          <a:xfrm>
+            <a:off x="10353901" y="5969000"/>
+            <a:ext cx="542697" cy="279400"/>
+          </a:xfrm>
+        </p:spPr>
         <p:txBody>
           <a:bodyPr/>
           <a:lstStyle/>
@@ -6831,6 +7522,93 @@
             <a:fld id="{E97799C9-84D9-46D2-A11E-BCF8A720529D}" type="slidenum">
               <a:rPr lang="en-US" smtClean="0"/>
               <a:t>3</a:t>
+            </a:fld>
+            <a:endParaRPr lang="en-US" dirty="0"/>
+          </a:p>
+        </p:txBody>
+      </p:sp>
+    </p:spTree>
+    <p:extLst>
+      <p:ext uri="{BB962C8B-B14F-4D97-AF65-F5344CB8AC3E}">
+        <p14:creationId xmlns:p14="http://schemas.microsoft.com/office/powerpoint/2010/main" val="2902566324"/>
+      </p:ext>
+    </p:extLst>
+  </p:cSld>
+  <p:clrMapOvr>
+    <a:masterClrMapping/>
+  </p:clrMapOvr>
+</p:sld>
+</file>
+
+<file path=ppt/slides/slide4.xml><?xml version="1.0" encoding="utf-8"?>
+<p:sld xmlns:a="http://schemas.openxmlformats.org/drawingml/2006/main" xmlns:r="http://schemas.openxmlformats.org/officeDocument/2006/relationships" xmlns:p="http://schemas.openxmlformats.org/presentationml/2006/main">
+  <p:cSld>
+    <p:spTree>
+      <p:nvGrpSpPr>
+        <p:cNvPr id="1" name=""/>
+        <p:cNvGrpSpPr/>
+        <p:nvPr/>
+      </p:nvGrpSpPr>
+      <p:grpSpPr>
+        <a:xfrm>
+          <a:off x="0" y="0"/>
+          <a:ext cx="0" cy="0"/>
+          <a:chOff x="0" y="0"/>
+          <a:chExt cx="0" cy="0"/>
+        </a:xfrm>
+      </p:grpSpPr>
+      <p:sp>
+        <p:nvSpPr>
+          <p:cNvPr id="2" name="タイトル 1">
+            <a:extLst>
+              <a:ext uri="{FF2B5EF4-FFF2-40B4-BE49-F238E27FC236}">
+                <a16:creationId xmlns:a16="http://schemas.microsoft.com/office/drawing/2014/main" xmlns="" id="{6AAAE915-F0EF-475F-A03C-A84003212E73}"/>
+              </a:ext>
+            </a:extLst>
+          </p:cNvPr>
+          <p:cNvSpPr>
+            <a:spLocks noGrp="1"/>
+          </p:cNvSpPr>
+          <p:nvPr>
+            <p:ph type="title"/>
+          </p:nvPr>
+        </p:nvSpPr>
+        <p:spPr/>
+        <p:txBody>
+          <a:bodyPr/>
+          <a:lstStyle/>
+          <a:p>
+            <a:r>
+              <a:rPr kumimoji="1" lang="ja-JP" altLang="en-US" dirty="0"/>
+              <a:t>シーケンス図</a:t>
+            </a:r>
+          </a:p>
+        </p:txBody>
+      </p:sp>
+      <p:sp>
+        <p:nvSpPr>
+          <p:cNvPr id="4" name="スライド番号プレースホルダー 3">
+            <a:extLst>
+              <a:ext uri="{FF2B5EF4-FFF2-40B4-BE49-F238E27FC236}">
+                <a16:creationId xmlns:a16="http://schemas.microsoft.com/office/drawing/2014/main" xmlns="" id="{2DAC6CD4-3F5D-44CB-9D9F-50BAC4E8545B}"/>
+              </a:ext>
+            </a:extLst>
+          </p:cNvPr>
+          <p:cNvSpPr>
+            <a:spLocks noGrp="1"/>
+          </p:cNvSpPr>
+          <p:nvPr>
+            <p:ph type="sldNum" sz="quarter" idx="12"/>
+          </p:nvPr>
+        </p:nvSpPr>
+        <p:spPr/>
+        <p:txBody>
+          <a:bodyPr/>
+          <a:lstStyle/>
+          <a:p>
+            <a:fld id="{E97799C9-84D9-46D2-A11E-BCF8A720529D}" type="slidenum">
+              <a:rPr lang="en-US" smtClean="0"/>
+              <a:t>4</a:t>
             </a:fld>
             <a:endParaRPr lang="en-US" dirty="0"/>
           </a:p>
@@ -6841,7 +7619,7 @@
           <p:cNvPr id="10" name="コンテンツ プレースホルダー 9">
             <a:extLst>
               <a:ext uri="{FF2B5EF4-FFF2-40B4-BE49-F238E27FC236}">
-                <a16:creationId xmlns:a16="http://schemas.microsoft.com/office/drawing/2014/main" id="{33D06CCF-B99A-49FF-9E49-9C956D764B45}"/>
+                <a16:creationId xmlns:a16="http://schemas.microsoft.com/office/drawing/2014/main" xmlns="" id="{33D06CCF-B99A-49FF-9E49-9C956D764B45}"/>
               </a:ext>
             </a:extLst>
           </p:cNvPr>
@@ -6878,139 +7656,6 @@
 </p:sld>
 </file>
 
-<file path=ppt/slides/slide4.xml><?xml version="1.0" encoding="utf-8"?>
-<p:sld xmlns:a="http://schemas.openxmlformats.org/drawingml/2006/main" xmlns:r="http://schemas.openxmlformats.org/officeDocument/2006/relationships" xmlns:p="http://schemas.openxmlformats.org/presentationml/2006/main">
-  <p:cSld>
-    <p:spTree>
-      <p:nvGrpSpPr>
-        <p:cNvPr id="1" name=""/>
-        <p:cNvGrpSpPr/>
-        <p:nvPr/>
-      </p:nvGrpSpPr>
-      <p:grpSpPr>
-        <a:xfrm>
-          <a:off x="0" y="0"/>
-          <a:ext cx="0" cy="0"/>
-          <a:chOff x="0" y="0"/>
-          <a:chExt cx="0" cy="0"/>
-        </a:xfrm>
-      </p:grpSpPr>
-      <p:sp>
-        <p:nvSpPr>
-          <p:cNvPr id="2" name="タイトル 1">
-            <a:extLst>
-              <a:ext uri="{FF2B5EF4-FFF2-40B4-BE49-F238E27FC236}">
-                <a16:creationId xmlns:a16="http://schemas.microsoft.com/office/drawing/2014/main" id="{2D82420A-78D6-436B-8334-780693B8D4BA}"/>
-              </a:ext>
-            </a:extLst>
-          </p:cNvPr>
-          <p:cNvSpPr>
-            <a:spLocks noGrp="1"/>
-          </p:cNvSpPr>
-          <p:nvPr>
-            <p:ph type="title"/>
-          </p:nvPr>
-        </p:nvSpPr>
-        <p:spPr/>
-        <p:txBody>
-          <a:bodyPr/>
-          <a:lstStyle/>
-          <a:p>
-            <a:r>
-              <a:rPr kumimoji="1" lang="ja-JP" altLang="en-US" dirty="0"/>
-              <a:t>アピールポイント</a:t>
-            </a:r>
-          </a:p>
-        </p:txBody>
-      </p:sp>
-      <p:sp>
-        <p:nvSpPr>
-          <p:cNvPr id="3" name="コンテンツ プレースホルダー 2">
-            <a:extLst>
-              <a:ext uri="{FF2B5EF4-FFF2-40B4-BE49-F238E27FC236}">
-                <a16:creationId xmlns:a16="http://schemas.microsoft.com/office/drawing/2014/main" id="{B655E295-15CF-4994-A73D-FA9F60F8E55E}"/>
-              </a:ext>
-            </a:extLst>
-          </p:cNvPr>
-          <p:cNvSpPr>
-            <a:spLocks noGrp="1"/>
-          </p:cNvSpPr>
-          <p:nvPr>
-            <p:ph idx="1"/>
-          </p:nvPr>
-        </p:nvSpPr>
-        <p:spPr/>
-        <p:txBody>
-          <a:bodyPr>
-            <a:normAutofit/>
-          </a:bodyPr>
-          <a:lstStyle/>
-          <a:p>
-            <a:r>
-              <a:rPr lang="ja-JP" altLang="en-US" sz="2800" dirty="0"/>
-              <a:t>プログラムでしりとりを行えるよう使える言葉をポケモンの範囲に絞っている。</a:t>
-            </a:r>
-            <a:endParaRPr lang="en-US" altLang="ja-JP" sz="2800" dirty="0"/>
-          </a:p>
-          <a:p>
-            <a:r>
-              <a:rPr lang="en-US" altLang="ja-JP" sz="2800" dirty="0"/>
-              <a:t>50</a:t>
-            </a:r>
-            <a:r>
-              <a:rPr lang="ja-JP" altLang="en-US" sz="2800" dirty="0"/>
-              <a:t>音のボタンを配置しボタンが有効か無効かを制御することで、消去しりとりで大事な今まで使った文字の把握が容易に出来る</a:t>
-            </a:r>
-            <a:r>
-              <a:rPr lang="ja-JP" altLang="en-US" dirty="0"/>
-              <a:t>。</a:t>
-            </a:r>
-            <a:endParaRPr kumimoji="1" lang="ja-JP" altLang="en-US" dirty="0"/>
-          </a:p>
-        </p:txBody>
-      </p:sp>
-      <p:sp>
-        <p:nvSpPr>
-          <p:cNvPr id="4" name="スライド番号プレースホルダー 3">
-            <a:extLst>
-              <a:ext uri="{FF2B5EF4-FFF2-40B4-BE49-F238E27FC236}">
-                <a16:creationId xmlns:a16="http://schemas.microsoft.com/office/drawing/2014/main" id="{59DB49BC-F9E4-4FE2-BC59-353319FE4334}"/>
-              </a:ext>
-            </a:extLst>
-          </p:cNvPr>
-          <p:cNvSpPr>
-            <a:spLocks noGrp="1"/>
-          </p:cNvSpPr>
-          <p:nvPr>
-            <p:ph type="sldNum" sz="quarter" idx="12"/>
-          </p:nvPr>
-        </p:nvSpPr>
-        <p:spPr/>
-        <p:txBody>
-          <a:bodyPr/>
-          <a:lstStyle/>
-          <a:p>
-            <a:fld id="{E97799C9-84D9-46D2-A11E-BCF8A720529D}" type="slidenum">
-              <a:rPr lang="en-US" smtClean="0"/>
-              <a:t>4</a:t>
-            </a:fld>
-            <a:endParaRPr lang="en-US" dirty="0"/>
-          </a:p>
-        </p:txBody>
-      </p:sp>
-    </p:spTree>
-    <p:extLst>
-      <p:ext uri="{BB962C8B-B14F-4D97-AF65-F5344CB8AC3E}">
-        <p14:creationId xmlns:p14="http://schemas.microsoft.com/office/powerpoint/2010/main" val="346071216"/>
-      </p:ext>
-    </p:extLst>
-  </p:cSld>
-  <p:clrMapOvr>
-    <a:masterClrMapping/>
-  </p:clrMapOvr>
-</p:sld>
-</file>
-
 <file path=ppt/slides/slide5.xml><?xml version="1.0" encoding="utf-8"?>
 <p:sld xmlns:a="http://schemas.openxmlformats.org/drawingml/2006/main" xmlns:r="http://schemas.openxmlformats.org/officeDocument/2006/relationships" xmlns:p="http://schemas.openxmlformats.org/presentationml/2006/main">
   <p:cSld>
@@ -7033,7 +7678,7 @@
           <p:cNvPr id="2" name="タイトル 1">
             <a:extLst>
               <a:ext uri="{FF2B5EF4-FFF2-40B4-BE49-F238E27FC236}">
-                <a16:creationId xmlns:a16="http://schemas.microsoft.com/office/drawing/2014/main" id="{3661B24E-2BC2-4BFB-98E5-2D75861947F0}"/>
+                <a16:creationId xmlns:a16="http://schemas.microsoft.com/office/drawing/2014/main" xmlns="" id="{2D82420A-78D6-436B-8334-780693B8D4BA}"/>
               </a:ext>
             </a:extLst>
           </p:cNvPr>
@@ -7051,7 +7696,7 @@
           <a:p>
             <a:r>
               <a:rPr kumimoji="1" lang="ja-JP" altLang="en-US" dirty="0"/>
-              <a:t>将来展望</a:t>
+              <a:t>アピールポイント</a:t>
             </a:r>
           </a:p>
         </p:txBody>
@@ -7061,7 +7706,7 @@
           <p:cNvPr id="3" name="コンテンツ プレースホルダー 2">
             <a:extLst>
               <a:ext uri="{FF2B5EF4-FFF2-40B4-BE49-F238E27FC236}">
-                <a16:creationId xmlns:a16="http://schemas.microsoft.com/office/drawing/2014/main" id="{5E5CAB49-F3E3-454E-80E0-032DC36B270C}"/>
+                <a16:creationId xmlns:a16="http://schemas.microsoft.com/office/drawing/2014/main" xmlns="" id="{B655E295-15CF-4994-A73D-FA9F60F8E55E}"/>
               </a:ext>
             </a:extLst>
           </p:cNvPr>
@@ -7080,23 +7725,25 @@
           <a:lstStyle/>
           <a:p>
             <a:r>
-              <a:rPr kumimoji="1" lang="ja-JP" altLang="en-US" sz="2800" dirty="0"/>
-              <a:t>ヒントを出すようにする</a:t>
-            </a:r>
-            <a:endParaRPr kumimoji="1" lang="en-US" altLang="ja-JP" sz="2800" dirty="0"/>
-          </a:p>
-          <a:p>
-            <a:r>
               <a:rPr lang="ja-JP" altLang="en-US" sz="2800" dirty="0"/>
-              <a:t>技も使えるようにする</a:t>
+              <a:t>プログラムでしりとりを行えるよう使える言葉をポケモンの範囲に絞っている。</a:t>
             </a:r>
             <a:endParaRPr lang="en-US" altLang="ja-JP" sz="2800" dirty="0"/>
           </a:p>
           <a:p>
             <a:r>
-              <a:rPr kumimoji="1" lang="ja-JP" altLang="en-US" sz="2800" dirty="0"/>
-              <a:t>制限時間の設定を行えるようにする</a:t>
-            </a:r>
+              <a:rPr lang="en-US" altLang="ja-JP" sz="2800" dirty="0"/>
+              <a:t>50</a:t>
+            </a:r>
+            <a:r>
+              <a:rPr lang="ja-JP" altLang="en-US" sz="2800" dirty="0"/>
+              <a:t>音のボタンを配置しボタンが有効か無効かを制御することで、消去しりとりで大事な今まで使った文字の把握が容易に出来る</a:t>
+            </a:r>
+            <a:r>
+              <a:rPr lang="ja-JP" altLang="en-US" dirty="0"/>
+              <a:t>。</a:t>
+            </a:r>
+            <a:endParaRPr kumimoji="1" lang="ja-JP" altLang="en-US" dirty="0"/>
           </a:p>
         </p:txBody>
       </p:sp>
@@ -7105,7 +7752,7 @@
           <p:cNvPr id="4" name="スライド番号プレースホルダー 3">
             <a:extLst>
               <a:ext uri="{FF2B5EF4-FFF2-40B4-BE49-F238E27FC236}">
-                <a16:creationId xmlns:a16="http://schemas.microsoft.com/office/drawing/2014/main" id="{02DA487B-9B07-4DAF-A2E1-E576CBB027ED}"/>
+                <a16:creationId xmlns:a16="http://schemas.microsoft.com/office/drawing/2014/main" xmlns="" id="{59DB49BC-F9E4-4FE2-BC59-353319FE4334}"/>
               </a:ext>
             </a:extLst>
           </p:cNvPr>
@@ -7132,7 +7779,536 @@
     </p:spTree>
     <p:extLst>
       <p:ext uri="{BB962C8B-B14F-4D97-AF65-F5344CB8AC3E}">
+        <p14:creationId xmlns:p14="http://schemas.microsoft.com/office/powerpoint/2010/main" val="346071216"/>
+      </p:ext>
+    </p:extLst>
+  </p:cSld>
+  <p:clrMapOvr>
+    <a:masterClrMapping/>
+  </p:clrMapOvr>
+</p:sld>
+</file>
+
+<file path=ppt/slides/slide6.xml><?xml version="1.0" encoding="utf-8"?>
+<p:sld xmlns:a="http://schemas.openxmlformats.org/drawingml/2006/main" xmlns:r="http://schemas.openxmlformats.org/officeDocument/2006/relationships" xmlns:p="http://schemas.openxmlformats.org/presentationml/2006/main">
+  <p:cSld>
+    <p:spTree>
+      <p:nvGrpSpPr>
+        <p:cNvPr id="1" name=""/>
+        <p:cNvGrpSpPr/>
+        <p:nvPr/>
+      </p:nvGrpSpPr>
+      <p:grpSpPr>
+        <a:xfrm>
+          <a:off x="0" y="0"/>
+          <a:ext cx="0" cy="0"/>
+          <a:chOff x="0" y="0"/>
+          <a:chExt cx="0" cy="0"/>
+        </a:xfrm>
+      </p:grpSpPr>
+      <p:sp>
+        <p:nvSpPr>
+          <p:cNvPr id="2" name="タイトル 1">
+            <a:extLst>
+              <a:ext uri="{FF2B5EF4-FFF2-40B4-BE49-F238E27FC236}">
+                <a16:creationId xmlns:a16="http://schemas.microsoft.com/office/drawing/2014/main" xmlns="" id="{3661B24E-2BC2-4BFB-98E5-2D75861947F0}"/>
+              </a:ext>
+            </a:extLst>
+          </p:cNvPr>
+          <p:cNvSpPr>
+            <a:spLocks noGrp="1"/>
+          </p:cNvSpPr>
+          <p:nvPr>
+            <p:ph type="title"/>
+          </p:nvPr>
+        </p:nvSpPr>
+        <p:spPr/>
+        <p:txBody>
+          <a:bodyPr/>
+          <a:lstStyle/>
+          <a:p>
+            <a:r>
+              <a:rPr kumimoji="1" lang="ja-JP" altLang="en-US" dirty="0"/>
+              <a:t>将来展望</a:t>
+            </a:r>
+          </a:p>
+        </p:txBody>
+      </p:sp>
+      <p:sp>
+        <p:nvSpPr>
+          <p:cNvPr id="3" name="コンテンツ プレースホルダー 2">
+            <a:extLst>
+              <a:ext uri="{FF2B5EF4-FFF2-40B4-BE49-F238E27FC236}">
+                <a16:creationId xmlns:a16="http://schemas.microsoft.com/office/drawing/2014/main" xmlns="" id="{5E5CAB49-F3E3-454E-80E0-032DC36B270C}"/>
+              </a:ext>
+            </a:extLst>
+          </p:cNvPr>
+          <p:cNvSpPr>
+            <a:spLocks noGrp="1"/>
+          </p:cNvSpPr>
+          <p:nvPr>
+            <p:ph idx="1"/>
+          </p:nvPr>
+        </p:nvSpPr>
+        <p:spPr/>
+        <p:txBody>
+          <a:bodyPr>
+            <a:normAutofit/>
+          </a:bodyPr>
+          <a:lstStyle/>
+          <a:p>
+            <a:r>
+              <a:rPr kumimoji="1" lang="ja-JP" altLang="en-US" sz="2800" dirty="0"/>
+              <a:t>ヒントを出すようにする</a:t>
+            </a:r>
+            <a:endParaRPr kumimoji="1" lang="en-US" altLang="ja-JP" sz="2800" dirty="0"/>
+          </a:p>
+          <a:p>
+            <a:r>
+              <a:rPr lang="ja-JP" altLang="en-US" sz="2800" dirty="0"/>
+              <a:t>技も使えるようにする</a:t>
+            </a:r>
+            <a:endParaRPr lang="en-US" altLang="ja-JP" sz="2800" dirty="0"/>
+          </a:p>
+          <a:p>
+            <a:r>
+              <a:rPr kumimoji="1" lang="ja-JP" altLang="en-US" sz="2800" dirty="0"/>
+              <a:t>制限時間の設定を行えるようにする</a:t>
+            </a:r>
+          </a:p>
+        </p:txBody>
+      </p:sp>
+      <p:sp>
+        <p:nvSpPr>
+          <p:cNvPr id="4" name="スライド番号プレースホルダー 3">
+            <a:extLst>
+              <a:ext uri="{FF2B5EF4-FFF2-40B4-BE49-F238E27FC236}">
+                <a16:creationId xmlns:a16="http://schemas.microsoft.com/office/drawing/2014/main" xmlns="" id="{02DA487B-9B07-4DAF-A2E1-E576CBB027ED}"/>
+              </a:ext>
+            </a:extLst>
+          </p:cNvPr>
+          <p:cNvSpPr>
+            <a:spLocks noGrp="1"/>
+          </p:cNvSpPr>
+          <p:nvPr>
+            <p:ph type="sldNum" sz="quarter" idx="12"/>
+          </p:nvPr>
+        </p:nvSpPr>
+        <p:spPr/>
+        <p:txBody>
+          <a:bodyPr/>
+          <a:lstStyle/>
+          <a:p>
+            <a:fld id="{E97799C9-84D9-46D2-A11E-BCF8A720529D}" type="slidenum">
+              <a:rPr lang="en-US" smtClean="0"/>
+              <a:t>6</a:t>
+            </a:fld>
+            <a:endParaRPr lang="en-US" dirty="0"/>
+          </a:p>
+        </p:txBody>
+      </p:sp>
+    </p:spTree>
+    <p:extLst>
+      <p:ext uri="{BB962C8B-B14F-4D97-AF65-F5344CB8AC3E}">
         <p14:creationId xmlns:p14="http://schemas.microsoft.com/office/powerpoint/2010/main" val="1052700793"/>
+      </p:ext>
+    </p:extLst>
+  </p:cSld>
+  <p:clrMapOvr>
+    <a:masterClrMapping/>
+  </p:clrMapOvr>
+</p:sld>
+</file>
+
+<file path=ppt/slides/slide7.xml><?xml version="1.0" encoding="utf-8"?>
+<p:sld xmlns:a="http://schemas.openxmlformats.org/drawingml/2006/main" xmlns:r="http://schemas.openxmlformats.org/officeDocument/2006/relationships" xmlns:p="http://schemas.openxmlformats.org/presentationml/2006/main">
+  <p:cSld>
+    <p:spTree>
+      <p:nvGrpSpPr>
+        <p:cNvPr id="1" name=""/>
+        <p:cNvGrpSpPr/>
+        <p:nvPr/>
+      </p:nvGrpSpPr>
+      <p:grpSpPr>
+        <a:xfrm>
+          <a:off x="0" y="0"/>
+          <a:ext cx="0" cy="0"/>
+          <a:chOff x="0" y="0"/>
+          <a:chExt cx="0" cy="0"/>
+        </a:xfrm>
+      </p:grpSpPr>
+      <p:sp>
+        <p:nvSpPr>
+          <p:cNvPr id="2" name="タイトル 1"/>
+          <p:cNvSpPr>
+            <a:spLocks noGrp="1"/>
+          </p:cNvSpPr>
+          <p:nvPr>
+            <p:ph type="title"/>
+          </p:nvPr>
+        </p:nvSpPr>
+        <p:spPr/>
+        <p:txBody>
+          <a:bodyPr/>
+          <a:lstStyle/>
+          <a:p>
+            <a:r>
+              <a:rPr kumimoji="1" lang="ja-JP" altLang="en-US" dirty="0" smtClean="0"/>
+              <a:t>動作説明</a:t>
+            </a:r>
+            <a:endParaRPr kumimoji="1" lang="ja-JP" altLang="en-US" dirty="0"/>
+          </a:p>
+        </p:txBody>
+      </p:sp>
+      <p:sp>
+        <p:nvSpPr>
+          <p:cNvPr id="3" name="コンテンツ プレースホルダー 2"/>
+          <p:cNvSpPr>
+            <a:spLocks noGrp="1"/>
+          </p:cNvSpPr>
+          <p:nvPr>
+            <p:ph idx="1"/>
+          </p:nvPr>
+        </p:nvSpPr>
+        <p:spPr/>
+        <p:txBody>
+          <a:bodyPr/>
+          <a:lstStyle/>
+          <a:p>
+            <a:r>
+              <a:rPr lang="ja-JP" altLang="en-US" dirty="0"/>
+              <a:t>ポケモンの</a:t>
+            </a:r>
+            <a:r>
+              <a:rPr lang="ja-JP" altLang="en-US" dirty="0" smtClean="0"/>
+              <a:t>名前を入力（クライアント１）</a:t>
+            </a:r>
+            <a:endParaRPr kumimoji="1" lang="ja-JP" altLang="en-US" dirty="0"/>
+          </a:p>
+        </p:txBody>
+      </p:sp>
+      <p:sp>
+        <p:nvSpPr>
+          <p:cNvPr id="4" name="スライド番号プレースホルダー 3"/>
+          <p:cNvSpPr>
+            <a:spLocks noGrp="1"/>
+          </p:cNvSpPr>
+          <p:nvPr>
+            <p:ph type="sldNum" sz="quarter" idx="12"/>
+          </p:nvPr>
+        </p:nvSpPr>
+        <p:spPr/>
+        <p:txBody>
+          <a:bodyPr/>
+          <a:lstStyle/>
+          <a:p>
+            <a:fld id="{E97799C9-84D9-46D2-A11E-BCF8A720529D}" type="slidenum">
+              <a:rPr lang="en-US" smtClean="0"/>
+              <a:pPr/>
+              <a:t>7</a:t>
+            </a:fld>
+            <a:endParaRPr lang="en-US" dirty="0"/>
+          </a:p>
+        </p:txBody>
+      </p:sp>
+      <p:pic>
+        <p:nvPicPr>
+          <p:cNvPr id="6" name="図 5"/>
+          <p:cNvPicPr>
+            <a:picLocks noChangeAspect="1"/>
+          </p:cNvPicPr>
+          <p:nvPr/>
+        </p:nvPicPr>
+        <p:blipFill>
+          <a:blip r:embed="rId2">
+            <a:extLst>
+              <a:ext uri="{28A0092B-C50C-407E-A947-70E740481C1C}">
+                <a14:useLocalDpi xmlns:a14="http://schemas.microsoft.com/office/drawing/2010/main" val="0"/>
+              </a:ext>
+            </a:extLst>
+          </a:blip>
+          <a:stretch>
+            <a:fillRect/>
+          </a:stretch>
+        </p:blipFill>
+        <p:spPr>
+          <a:xfrm>
+            <a:off x="3706922" y="2991848"/>
+            <a:ext cx="4778154" cy="3154953"/>
+          </a:xfrm>
+          <a:prstGeom prst="rect">
+            <a:avLst/>
+          </a:prstGeom>
+        </p:spPr>
+      </p:pic>
+    </p:spTree>
+    <p:extLst>
+      <p:ext uri="{BB962C8B-B14F-4D97-AF65-F5344CB8AC3E}">
+        <p14:creationId xmlns:p14="http://schemas.microsoft.com/office/powerpoint/2010/main" val="2013193718"/>
+      </p:ext>
+    </p:extLst>
+  </p:cSld>
+  <p:clrMapOvr>
+    <a:masterClrMapping/>
+  </p:clrMapOvr>
+</p:sld>
+</file>
+
+<file path=ppt/slides/slide8.xml><?xml version="1.0" encoding="utf-8"?>
+<p:sld xmlns:a="http://schemas.openxmlformats.org/drawingml/2006/main" xmlns:r="http://schemas.openxmlformats.org/officeDocument/2006/relationships" xmlns:p="http://schemas.openxmlformats.org/presentationml/2006/main">
+  <p:cSld>
+    <p:spTree>
+      <p:nvGrpSpPr>
+        <p:cNvPr id="1" name=""/>
+        <p:cNvGrpSpPr/>
+        <p:nvPr/>
+      </p:nvGrpSpPr>
+      <p:grpSpPr>
+        <a:xfrm>
+          <a:off x="0" y="0"/>
+          <a:ext cx="0" cy="0"/>
+          <a:chOff x="0" y="0"/>
+          <a:chExt cx="0" cy="0"/>
+        </a:xfrm>
+      </p:grpSpPr>
+      <p:sp>
+        <p:nvSpPr>
+          <p:cNvPr id="2" name="タイトル 1"/>
+          <p:cNvSpPr>
+            <a:spLocks noGrp="1"/>
+          </p:cNvSpPr>
+          <p:nvPr>
+            <p:ph type="title"/>
+          </p:nvPr>
+        </p:nvSpPr>
+        <p:spPr/>
+        <p:txBody>
+          <a:bodyPr/>
+          <a:lstStyle/>
+          <a:p>
+            <a:r>
+              <a:rPr kumimoji="1" lang="ja-JP" altLang="en-US" dirty="0" smtClean="0"/>
+              <a:t>動作説明</a:t>
+            </a:r>
+            <a:endParaRPr kumimoji="1" lang="ja-JP" altLang="en-US" dirty="0"/>
+          </a:p>
+        </p:txBody>
+      </p:sp>
+      <p:sp>
+        <p:nvSpPr>
+          <p:cNvPr id="3" name="コンテンツ プレースホルダー 2"/>
+          <p:cNvSpPr>
+            <a:spLocks noGrp="1"/>
+          </p:cNvSpPr>
+          <p:nvPr>
+            <p:ph idx="1"/>
+          </p:nvPr>
+        </p:nvSpPr>
+        <p:spPr/>
+        <p:txBody>
+          <a:bodyPr/>
+          <a:lstStyle/>
+          <a:p>
+            <a:r>
+              <a:rPr lang="en-US" altLang="ja-JP" dirty="0" smtClean="0"/>
+              <a:t>OK</a:t>
+            </a:r>
+            <a:r>
+              <a:rPr lang="ja-JP" altLang="en-US" dirty="0" smtClean="0"/>
+              <a:t>で送信する（クライアント１）</a:t>
+            </a:r>
+            <a:endParaRPr kumimoji="1" lang="ja-JP" altLang="en-US" dirty="0"/>
+          </a:p>
+        </p:txBody>
+      </p:sp>
+      <p:sp>
+        <p:nvSpPr>
+          <p:cNvPr id="4" name="スライド番号プレースホルダー 3"/>
+          <p:cNvSpPr>
+            <a:spLocks noGrp="1"/>
+          </p:cNvSpPr>
+          <p:nvPr>
+            <p:ph type="sldNum" sz="quarter" idx="12"/>
+          </p:nvPr>
+        </p:nvSpPr>
+        <p:spPr/>
+        <p:txBody>
+          <a:bodyPr/>
+          <a:lstStyle/>
+          <a:p>
+            <a:fld id="{E97799C9-84D9-46D2-A11E-BCF8A720529D}" type="slidenum">
+              <a:rPr lang="en-US" smtClean="0"/>
+              <a:pPr/>
+              <a:t>8</a:t>
+            </a:fld>
+            <a:endParaRPr lang="en-US" dirty="0"/>
+          </a:p>
+        </p:txBody>
+      </p:sp>
+      <p:pic>
+        <p:nvPicPr>
+          <p:cNvPr id="5" name="図 4"/>
+          <p:cNvPicPr>
+            <a:picLocks noChangeAspect="1"/>
+          </p:cNvPicPr>
+          <p:nvPr/>
+        </p:nvPicPr>
+        <p:blipFill>
+          <a:blip r:embed="rId2">
+            <a:extLst>
+              <a:ext uri="{28A0092B-C50C-407E-A947-70E740481C1C}">
+                <a14:useLocalDpi xmlns:a14="http://schemas.microsoft.com/office/drawing/2010/main" val="0"/>
+              </a:ext>
+            </a:extLst>
+          </a:blip>
+          <a:stretch>
+            <a:fillRect/>
+          </a:stretch>
+        </p:blipFill>
+        <p:spPr>
+          <a:xfrm>
+            <a:off x="3706922" y="2991848"/>
+            <a:ext cx="4778154" cy="3154953"/>
+          </a:xfrm>
+          <a:prstGeom prst="rect">
+            <a:avLst/>
+          </a:prstGeom>
+        </p:spPr>
+      </p:pic>
+    </p:spTree>
+    <p:extLst>
+      <p:ext uri="{BB962C8B-B14F-4D97-AF65-F5344CB8AC3E}">
+        <p14:creationId xmlns:p14="http://schemas.microsoft.com/office/powerpoint/2010/main" val="2526716065"/>
+      </p:ext>
+    </p:extLst>
+  </p:cSld>
+  <p:clrMapOvr>
+    <a:masterClrMapping/>
+  </p:clrMapOvr>
+</p:sld>
+</file>
+
+<file path=ppt/slides/slide9.xml><?xml version="1.0" encoding="utf-8"?>
+<p:sld xmlns:a="http://schemas.openxmlformats.org/drawingml/2006/main" xmlns:r="http://schemas.openxmlformats.org/officeDocument/2006/relationships" xmlns:p="http://schemas.openxmlformats.org/presentationml/2006/main">
+  <p:cSld>
+    <p:spTree>
+      <p:nvGrpSpPr>
+        <p:cNvPr id="1" name=""/>
+        <p:cNvGrpSpPr/>
+        <p:nvPr/>
+      </p:nvGrpSpPr>
+      <p:grpSpPr>
+        <a:xfrm>
+          <a:off x="0" y="0"/>
+          <a:ext cx="0" cy="0"/>
+          <a:chOff x="0" y="0"/>
+          <a:chExt cx="0" cy="0"/>
+        </a:xfrm>
+      </p:grpSpPr>
+      <p:sp>
+        <p:nvSpPr>
+          <p:cNvPr id="2" name="タイトル 1"/>
+          <p:cNvSpPr>
+            <a:spLocks noGrp="1"/>
+          </p:cNvSpPr>
+          <p:nvPr>
+            <p:ph type="title"/>
+          </p:nvPr>
+        </p:nvSpPr>
+        <p:spPr/>
+        <p:txBody>
+          <a:bodyPr/>
+          <a:lstStyle/>
+          <a:p>
+            <a:r>
+              <a:rPr kumimoji="1" lang="ja-JP" altLang="en-US" dirty="0" smtClean="0"/>
+              <a:t>動作説明</a:t>
+            </a:r>
+            <a:endParaRPr kumimoji="1" lang="ja-JP" altLang="en-US" dirty="0"/>
+          </a:p>
+        </p:txBody>
+      </p:sp>
+      <p:sp>
+        <p:nvSpPr>
+          <p:cNvPr id="3" name="コンテンツ プレースホルダー 2"/>
+          <p:cNvSpPr>
+            <a:spLocks noGrp="1"/>
+          </p:cNvSpPr>
+          <p:nvPr>
+            <p:ph idx="1"/>
+          </p:nvPr>
+        </p:nvSpPr>
+        <p:spPr/>
+        <p:txBody>
+          <a:bodyPr/>
+          <a:lstStyle/>
+          <a:p>
+            <a:r>
+              <a:rPr lang="ja-JP" altLang="en-US" dirty="0" smtClean="0"/>
+              <a:t>ポケモンの名前でないと再入力（クライアント１）</a:t>
+            </a:r>
+            <a:endParaRPr kumimoji="1" lang="ja-JP" altLang="en-US" dirty="0"/>
+          </a:p>
+        </p:txBody>
+      </p:sp>
+      <p:sp>
+        <p:nvSpPr>
+          <p:cNvPr id="4" name="スライド番号プレースホルダー 3"/>
+          <p:cNvSpPr>
+            <a:spLocks noGrp="1"/>
+          </p:cNvSpPr>
+          <p:nvPr>
+            <p:ph type="sldNum" sz="quarter" idx="12"/>
+          </p:nvPr>
+        </p:nvSpPr>
+        <p:spPr/>
+        <p:txBody>
+          <a:bodyPr/>
+          <a:lstStyle/>
+          <a:p>
+            <a:fld id="{E97799C9-84D9-46D2-A11E-BCF8A720529D}" type="slidenum">
+              <a:rPr lang="en-US" smtClean="0"/>
+              <a:pPr/>
+              <a:t>9</a:t>
+            </a:fld>
+            <a:endParaRPr lang="en-US" dirty="0"/>
+          </a:p>
+        </p:txBody>
+      </p:sp>
+      <p:pic>
+        <p:nvPicPr>
+          <p:cNvPr id="6" name="図 5"/>
+          <p:cNvPicPr>
+            <a:picLocks noChangeAspect="1"/>
+          </p:cNvPicPr>
+          <p:nvPr/>
+        </p:nvPicPr>
+        <p:blipFill>
+          <a:blip r:embed="rId2">
+            <a:extLst>
+              <a:ext uri="{28A0092B-C50C-407E-A947-70E740481C1C}">
+                <a14:useLocalDpi xmlns:a14="http://schemas.microsoft.com/office/drawing/2010/main" val="0"/>
+              </a:ext>
+            </a:extLst>
+          </a:blip>
+          <a:stretch>
+            <a:fillRect/>
+          </a:stretch>
+        </p:blipFill>
+        <p:spPr>
+          <a:xfrm>
+            <a:off x="3706922" y="2991848"/>
+            <a:ext cx="4778154" cy="3154953"/>
+          </a:xfrm>
+          <a:prstGeom prst="rect">
+            <a:avLst/>
+          </a:prstGeom>
+        </p:spPr>
+      </p:pic>
+    </p:spTree>
+    <p:extLst>
+      <p:ext uri="{BB962C8B-B14F-4D97-AF65-F5344CB8AC3E}">
+        <p14:creationId xmlns:p14="http://schemas.microsoft.com/office/powerpoint/2010/main" val="4027539682"/>
       </p:ext>
     </p:extLst>
   </p:cSld>

--- a/netpro説明資料.pptx
+++ b/netpro説明資料.pptx
@@ -213,7 +213,7 @@
           <a:p>
             <a:fld id="{3117A693-390D-4141-BFDE-A879BBA9850D}" type="datetimeFigureOut">
               <a:rPr kumimoji="1" lang="ja-JP" altLang="en-US" smtClean="0"/>
-              <a:t>2018/1/13</a:t>
+              <a:t>2018/1/14</a:t>
             </a:fld>
             <a:endParaRPr kumimoji="1" lang="ja-JP" altLang="en-US"/>
           </a:p>
@@ -843,7 +843,7 @@
           <a:p>
             <a:fld id="{54736A33-2E10-45F6-AE88-29D7F4DBB948}" type="datetime1">
               <a:rPr lang="en-US" altLang="ja-JP" smtClean="0"/>
-              <a:t>1/13/2018</a:t>
+              <a:t>1/14/2018</a:t>
             </a:fld>
             <a:endParaRPr lang="en-US" dirty="0"/>
           </a:p>
@@ -1158,7 +1158,7 @@
           <a:p>
             <a:fld id="{445B4282-BE8E-4761-A617-FEA0C25D297B}" type="datetime1">
               <a:rPr lang="en-US" altLang="ja-JP" smtClean="0"/>
-              <a:t>1/13/2018</a:t>
+              <a:t>1/14/2018</a:t>
             </a:fld>
             <a:endParaRPr lang="en-US" dirty="0"/>
           </a:p>
@@ -1402,7 +1402,7 @@
           <a:p>
             <a:fld id="{E3CA667B-A334-4572-B19A-989B50A376F2}" type="datetime1">
               <a:rPr lang="en-US" altLang="ja-JP" smtClean="0"/>
-              <a:t>1/13/2018</a:t>
+              <a:t>1/14/2018</a:t>
             </a:fld>
             <a:endParaRPr lang="en-US" dirty="0"/>
           </a:p>
@@ -1737,7 +1737,7 @@
           <a:p>
             <a:fld id="{8200AE3E-AC6D-45DB-8D41-73EE1A50FC48}" type="datetime1">
               <a:rPr lang="en-US" altLang="ja-JP" smtClean="0"/>
-              <a:t>1/13/2018</a:t>
+              <a:t>1/14/2018</a:t>
             </a:fld>
             <a:endParaRPr lang="en-US" dirty="0"/>
           </a:p>
@@ -2080,7 +2080,7 @@
           <a:p>
             <a:fld id="{50F41E09-D0B1-4B67-941C-F18E44137098}" type="datetime1">
               <a:rPr lang="en-US" altLang="ja-JP" smtClean="0"/>
-              <a:t>1/13/2018</a:t>
+              <a:t>1/14/2018</a:t>
             </a:fld>
             <a:endParaRPr lang="en-US" dirty="0"/>
           </a:p>
@@ -2450,7 +2450,7 @@
           <a:p>
             <a:fld id="{F0CF373C-EBFF-4E6D-AEC1-F16FDEE4BAF8}" type="datetime1">
               <a:rPr lang="en-US" altLang="ja-JP" smtClean="0"/>
-              <a:t>1/13/2018</a:t>
+              <a:t>1/14/2018</a:t>
             </a:fld>
             <a:endParaRPr lang="en-US" dirty="0"/>
           </a:p>
@@ -2916,7 +2916,7 @@
           <a:p>
             <a:fld id="{2F0D9457-BB9A-4872-BD60-5006CF28475E}" type="datetime1">
               <a:rPr lang="en-US" altLang="ja-JP" smtClean="0"/>
-              <a:t>1/13/2018</a:t>
+              <a:t>1/14/2018</a:t>
             </a:fld>
             <a:endParaRPr lang="en-US" dirty="0"/>
           </a:p>
@@ -3149,7 +3149,7 @@
           <a:p>
             <a:fld id="{F441D35B-08EB-41E9-ACE0-89072530B2B9}" type="datetime1">
               <a:rPr lang="en-US" altLang="ja-JP" smtClean="0"/>
-              <a:t>1/13/2018</a:t>
+              <a:t>1/14/2018</a:t>
             </a:fld>
             <a:endParaRPr lang="en-US" dirty="0"/>
           </a:p>
@@ -3388,7 +3388,7 @@
           <a:p>
             <a:fld id="{335CEC27-1AF8-4DEC-AD04-210A39260766}" type="datetime1">
               <a:rPr lang="en-US" altLang="ja-JP" smtClean="0"/>
-              <a:t>1/13/2018</a:t>
+              <a:t>1/14/2018</a:t>
             </a:fld>
             <a:endParaRPr lang="en-US" dirty="0"/>
           </a:p>
@@ -3648,7 +3648,7 @@
           <a:p>
             <a:fld id="{A5B13DE8-87B2-43BF-B6AA-89F8E1671FD9}" type="datetime1">
               <a:rPr lang="en-US" altLang="ja-JP" smtClean="0"/>
-              <a:t>1/13/2018</a:t>
+              <a:t>1/14/2018</a:t>
             </a:fld>
             <a:endParaRPr lang="en-US" dirty="0"/>
           </a:p>
@@ -3896,7 +3896,7 @@
           <a:p>
             <a:fld id="{BFA081B0-87C3-496A-B8DD-667A19607705}" type="datetime1">
               <a:rPr lang="en-US" altLang="ja-JP" smtClean="0"/>
-              <a:t>1/13/2018</a:t>
+              <a:t>1/14/2018</a:t>
             </a:fld>
             <a:endParaRPr lang="en-US" dirty="0"/>
           </a:p>
@@ -4254,7 +4254,7 @@
           <a:p>
             <a:fld id="{D7B4BF97-F394-465F-AF3D-E2172454D878}" type="datetime1">
               <a:rPr lang="en-US" altLang="ja-JP" smtClean="0"/>
-              <a:t>1/13/2018</a:t>
+              <a:t>1/14/2018</a:t>
             </a:fld>
             <a:endParaRPr lang="en-US" dirty="0"/>
           </a:p>
@@ -4707,7 +4707,7 @@
           <a:p>
             <a:fld id="{6A4AD25C-B4F5-480A-B254-622634915126}" type="datetime1">
               <a:rPr lang="en-US" altLang="ja-JP" smtClean="0"/>
-              <a:t>1/13/2018</a:t>
+              <a:t>1/14/2018</a:t>
             </a:fld>
             <a:endParaRPr lang="en-US" dirty="0"/>
           </a:p>
@@ -4852,7 +4852,7 @@
           <a:p>
             <a:fld id="{82249626-8BF2-4E92-B2E4-11566C16793C}" type="datetime1">
               <a:rPr lang="en-US" altLang="ja-JP" smtClean="0"/>
-              <a:t>1/13/2018</a:t>
+              <a:t>1/14/2018</a:t>
             </a:fld>
             <a:endParaRPr lang="en-US" dirty="0"/>
           </a:p>
@@ -4974,7 +4974,7 @@
           <a:p>
             <a:fld id="{0361E320-E138-4C26-8F26-53C06485CEE7}" type="datetime1">
               <a:rPr lang="en-US" altLang="ja-JP" smtClean="0"/>
-              <a:t>1/13/2018</a:t>
+              <a:t>1/14/2018</a:t>
             </a:fld>
             <a:endParaRPr lang="en-US" dirty="0"/>
           </a:p>
@@ -5257,7 +5257,7 @@
           <a:p>
             <a:fld id="{0AB1746A-CEF9-4118-8DF2-9C42DDEB9D09}" type="datetime1">
               <a:rPr lang="en-US" altLang="ja-JP" smtClean="0"/>
-              <a:t>1/13/2018</a:t>
+              <a:t>1/14/2018</a:t>
             </a:fld>
             <a:endParaRPr lang="en-US" dirty="0"/>
           </a:p>
@@ -5568,7 +5568,7 @@
           <a:p>
             <a:fld id="{C86E02C9-057B-4CEB-8DAD-24F8EAD55524}" type="datetime1">
               <a:rPr lang="en-US" altLang="ja-JP" smtClean="0"/>
-              <a:t>1/13/2018</a:t>
+              <a:t>1/14/2018</a:t>
             </a:fld>
             <a:endParaRPr lang="en-US" dirty="0"/>
           </a:p>
@@ -5947,7 +5947,7 @@
           <a:p>
             <a:fld id="{27358E70-C3A2-4916-BF75-7AB7E8F95699}" type="datetime1">
               <a:rPr lang="en-US" altLang="ja-JP" smtClean="0"/>
-              <a:t>1/13/2018</a:t>
+              <a:t>1/14/2018</a:t>
             </a:fld>
             <a:endParaRPr lang="en-US" dirty="0"/>
           </a:p>
@@ -6492,7 +6492,7 @@
           <p:cNvPr id="2" name="タイトル 1">
             <a:extLst>
               <a:ext uri="{FF2B5EF4-FFF2-40B4-BE49-F238E27FC236}">
-                <a16:creationId xmlns:a16="http://schemas.microsoft.com/office/drawing/2014/main" xmlns="" id="{72B12656-329A-4A55-BF70-7CFC7A6391A0}"/>
+                <a16:creationId xmlns="" xmlns:a16="http://schemas.microsoft.com/office/drawing/2014/main" id="{72B12656-329A-4A55-BF70-7CFC7A6391A0}"/>
               </a:ext>
             </a:extLst>
           </p:cNvPr>
@@ -6520,7 +6520,7 @@
           <p:cNvPr id="3" name="サブタイトル 2">
             <a:extLst>
               <a:ext uri="{FF2B5EF4-FFF2-40B4-BE49-F238E27FC236}">
-                <a16:creationId xmlns:a16="http://schemas.microsoft.com/office/drawing/2014/main" xmlns="" id="{70151690-4472-4500-AD1A-F8948B4C97F9}"/>
+                <a16:creationId xmlns="" xmlns:a16="http://schemas.microsoft.com/office/drawing/2014/main" id="{70151690-4472-4500-AD1A-F8948B4C97F9}"/>
               </a:ext>
             </a:extLst>
           </p:cNvPr>
@@ -6566,7 +6566,7 @@
           <p:cNvPr id="4" name="スライド番号プレースホルダー 3">
             <a:extLst>
               <a:ext uri="{FF2B5EF4-FFF2-40B4-BE49-F238E27FC236}">
-                <a16:creationId xmlns:a16="http://schemas.microsoft.com/office/drawing/2014/main" xmlns="" id="{49797E24-3701-4F8F-8E70-0F39367D2E71}"/>
+                <a16:creationId xmlns="" xmlns:a16="http://schemas.microsoft.com/office/drawing/2014/main" id="{49797E24-3701-4F8F-8E70-0F39367D2E71}"/>
               </a:ext>
             </a:extLst>
           </p:cNvPr>
@@ -7041,7 +7041,7 @@
       </p:grpSpPr>
       <p:pic>
         <p:nvPicPr>
-          <p:cNvPr id="7" name="図 6"/>
+          <p:cNvPr id="8" name="図 7"/>
           <p:cNvPicPr>
             <a:picLocks noChangeAspect="1"/>
           </p:cNvPicPr>
@@ -7061,8 +7061,8 @@
         </p:blipFill>
         <p:spPr>
           <a:xfrm>
-            <a:off x="6195642" y="2953747"/>
-            <a:ext cx="4778154" cy="3154953"/>
+            <a:off x="6248151" y="3014712"/>
+            <a:ext cx="4823878" cy="3093988"/>
           </a:xfrm>
           <a:prstGeom prst="rect">
             <a:avLst/>
@@ -7141,7 +7141,7 @@
       </p:sp>
       <p:pic>
         <p:nvPicPr>
-          <p:cNvPr id="6" name="図 5"/>
+          <p:cNvPr id="5" name="図 4"/>
           <p:cNvPicPr>
             <a:picLocks noChangeAspect="1"/>
           </p:cNvPicPr>
@@ -7161,8 +7161,8 @@
         </p:blipFill>
         <p:spPr>
           <a:xfrm>
-            <a:off x="1325466" y="2953747"/>
-            <a:ext cx="4770533" cy="3147333"/>
+            <a:off x="1119969" y="3014712"/>
+            <a:ext cx="4831499" cy="3093988"/>
           </a:xfrm>
           <a:prstGeom prst="rect">
             <a:avLst/>
@@ -7396,7 +7396,7 @@
           <p:cNvPr id="2" name="タイトル 1">
             <a:extLst>
               <a:ext uri="{FF2B5EF4-FFF2-40B4-BE49-F238E27FC236}">
-                <a16:creationId xmlns:a16="http://schemas.microsoft.com/office/drawing/2014/main" xmlns="" id="{CE1F0E71-D1A3-4CDA-B4C7-9942FA6B86C7}"/>
+                <a16:creationId xmlns="" xmlns:a16="http://schemas.microsoft.com/office/drawing/2014/main" id="{CE1F0E71-D1A3-4CDA-B4C7-9942FA6B86C7}"/>
               </a:ext>
             </a:extLst>
           </p:cNvPr>
@@ -7424,7 +7424,7 @@
           <p:cNvPr id="3" name="コンテンツ プレースホルダー 2">
             <a:extLst>
               <a:ext uri="{FF2B5EF4-FFF2-40B4-BE49-F238E27FC236}">
-                <a16:creationId xmlns:a16="http://schemas.microsoft.com/office/drawing/2014/main" xmlns="" id="{9396FF22-4B87-49DE-97B4-59F5890C8F7F}"/>
+                <a16:creationId xmlns="" xmlns:a16="http://schemas.microsoft.com/office/drawing/2014/main" id="{9396FF22-4B87-49DE-97B4-59F5890C8F7F}"/>
               </a:ext>
             </a:extLst>
           </p:cNvPr>
@@ -7498,7 +7498,7 @@
           <p:cNvPr id="4" name="スライド番号プレースホルダー 3">
             <a:extLst>
               <a:ext uri="{FF2B5EF4-FFF2-40B4-BE49-F238E27FC236}">
-                <a16:creationId xmlns:a16="http://schemas.microsoft.com/office/drawing/2014/main" xmlns="" id="{40C7D656-151F-409C-B903-BB9EEDAAC540}"/>
+                <a16:creationId xmlns="" xmlns:a16="http://schemas.microsoft.com/office/drawing/2014/main" id="{40C7D656-151F-409C-B903-BB9EEDAAC540}"/>
               </a:ext>
             </a:extLst>
           </p:cNvPr>
@@ -7562,7 +7562,7 @@
           <p:cNvPr id="2" name="タイトル 1">
             <a:extLst>
               <a:ext uri="{FF2B5EF4-FFF2-40B4-BE49-F238E27FC236}">
-                <a16:creationId xmlns:a16="http://schemas.microsoft.com/office/drawing/2014/main" xmlns="" id="{6AAAE915-F0EF-475F-A03C-A84003212E73}"/>
+                <a16:creationId xmlns="" xmlns:a16="http://schemas.microsoft.com/office/drawing/2014/main" id="{6AAAE915-F0EF-475F-A03C-A84003212E73}"/>
               </a:ext>
             </a:extLst>
           </p:cNvPr>
@@ -7590,7 +7590,7 @@
           <p:cNvPr id="4" name="スライド番号プレースホルダー 3">
             <a:extLst>
               <a:ext uri="{FF2B5EF4-FFF2-40B4-BE49-F238E27FC236}">
-                <a16:creationId xmlns:a16="http://schemas.microsoft.com/office/drawing/2014/main" xmlns="" id="{2DAC6CD4-3F5D-44CB-9D9F-50BAC4E8545B}"/>
+                <a16:creationId xmlns="" xmlns:a16="http://schemas.microsoft.com/office/drawing/2014/main" id="{2DAC6CD4-3F5D-44CB-9D9F-50BAC4E8545B}"/>
               </a:ext>
             </a:extLst>
           </p:cNvPr>
@@ -7619,7 +7619,7 @@
           <p:cNvPr id="10" name="コンテンツ プレースホルダー 9">
             <a:extLst>
               <a:ext uri="{FF2B5EF4-FFF2-40B4-BE49-F238E27FC236}">
-                <a16:creationId xmlns:a16="http://schemas.microsoft.com/office/drawing/2014/main" xmlns="" id="{33D06CCF-B99A-49FF-9E49-9C956D764B45}"/>
+                <a16:creationId xmlns="" xmlns:a16="http://schemas.microsoft.com/office/drawing/2014/main" id="{33D06CCF-B99A-49FF-9E49-9C956D764B45}"/>
               </a:ext>
             </a:extLst>
           </p:cNvPr>
@@ -7678,7 +7678,7 @@
           <p:cNvPr id="2" name="タイトル 1">
             <a:extLst>
               <a:ext uri="{FF2B5EF4-FFF2-40B4-BE49-F238E27FC236}">
-                <a16:creationId xmlns:a16="http://schemas.microsoft.com/office/drawing/2014/main" xmlns="" id="{2D82420A-78D6-436B-8334-780693B8D4BA}"/>
+                <a16:creationId xmlns="" xmlns:a16="http://schemas.microsoft.com/office/drawing/2014/main" id="{2D82420A-78D6-436B-8334-780693B8D4BA}"/>
               </a:ext>
             </a:extLst>
           </p:cNvPr>
@@ -7706,7 +7706,7 @@
           <p:cNvPr id="3" name="コンテンツ プレースホルダー 2">
             <a:extLst>
               <a:ext uri="{FF2B5EF4-FFF2-40B4-BE49-F238E27FC236}">
-                <a16:creationId xmlns:a16="http://schemas.microsoft.com/office/drawing/2014/main" xmlns="" id="{B655E295-15CF-4994-A73D-FA9F60F8E55E}"/>
+                <a16:creationId xmlns="" xmlns:a16="http://schemas.microsoft.com/office/drawing/2014/main" id="{B655E295-15CF-4994-A73D-FA9F60F8E55E}"/>
               </a:ext>
             </a:extLst>
           </p:cNvPr>
@@ -7752,7 +7752,7 @@
           <p:cNvPr id="4" name="スライド番号プレースホルダー 3">
             <a:extLst>
               <a:ext uri="{FF2B5EF4-FFF2-40B4-BE49-F238E27FC236}">
-                <a16:creationId xmlns:a16="http://schemas.microsoft.com/office/drawing/2014/main" xmlns="" id="{59DB49BC-F9E4-4FE2-BC59-353319FE4334}"/>
+                <a16:creationId xmlns="" xmlns:a16="http://schemas.microsoft.com/office/drawing/2014/main" id="{59DB49BC-F9E4-4FE2-BC59-353319FE4334}"/>
               </a:ext>
             </a:extLst>
           </p:cNvPr>
@@ -7811,7 +7811,7 @@
           <p:cNvPr id="2" name="タイトル 1">
             <a:extLst>
               <a:ext uri="{FF2B5EF4-FFF2-40B4-BE49-F238E27FC236}">
-                <a16:creationId xmlns:a16="http://schemas.microsoft.com/office/drawing/2014/main" xmlns="" id="{3661B24E-2BC2-4BFB-98E5-2D75861947F0}"/>
+                <a16:creationId xmlns="" xmlns:a16="http://schemas.microsoft.com/office/drawing/2014/main" id="{3661B24E-2BC2-4BFB-98E5-2D75861947F0}"/>
               </a:ext>
             </a:extLst>
           </p:cNvPr>
@@ -7839,7 +7839,7 @@
           <p:cNvPr id="3" name="コンテンツ プレースホルダー 2">
             <a:extLst>
               <a:ext uri="{FF2B5EF4-FFF2-40B4-BE49-F238E27FC236}">
-                <a16:creationId xmlns:a16="http://schemas.microsoft.com/office/drawing/2014/main" xmlns="" id="{5E5CAB49-F3E3-454E-80E0-032DC36B270C}"/>
+                <a16:creationId xmlns="" xmlns:a16="http://schemas.microsoft.com/office/drawing/2014/main" id="{5E5CAB49-F3E3-454E-80E0-032DC36B270C}"/>
               </a:ext>
             </a:extLst>
           </p:cNvPr>
@@ -7883,7 +7883,7 @@
           <p:cNvPr id="4" name="スライド番号プレースホルダー 3">
             <a:extLst>
               <a:ext uri="{FF2B5EF4-FFF2-40B4-BE49-F238E27FC236}">
-                <a16:creationId xmlns:a16="http://schemas.microsoft.com/office/drawing/2014/main" xmlns="" id="{02DA487B-9B07-4DAF-A2E1-E576CBB027ED}"/>
+                <a16:creationId xmlns="" xmlns:a16="http://schemas.microsoft.com/office/drawing/2014/main" id="{02DA487B-9B07-4DAF-A2E1-E576CBB027ED}"/>
               </a:ext>
             </a:extLst>
           </p:cNvPr>
